--- a/Frontend/AutoDiff/07.challenge.pptx
+++ b/Frontend/AutoDiff/07.challenge.pptx
@@ -10,28 +10,29 @@
     <p:sldMasterId id="2147483881" r:id="rId6"/>
   </p:sldMasterIdLst>
   <p:notesMasterIdLst>
-    <p:notesMasterId r:id="rId18"/>
+    <p:notesMasterId r:id="rId19"/>
   </p:notesMasterIdLst>
   <p:handoutMasterIdLst>
-    <p:handoutMasterId r:id="rId19"/>
+    <p:handoutMasterId r:id="rId20"/>
   </p:handoutMasterIdLst>
   <p:sldIdLst>
     <p:sldId id="693" r:id="rId7"/>
     <p:sldId id="716" r:id="rId8"/>
     <p:sldId id="712" r:id="rId9"/>
-    <p:sldId id="728" r:id="rId10"/>
-    <p:sldId id="724" r:id="rId11"/>
-    <p:sldId id="719" r:id="rId12"/>
-    <p:sldId id="726" r:id="rId13"/>
-    <p:sldId id="727" r:id="rId14"/>
-    <p:sldId id="729" r:id="rId15"/>
-    <p:sldId id="723" r:id="rId16"/>
-    <p:sldId id="680" r:id="rId17"/>
+    <p:sldId id="730" r:id="rId10"/>
+    <p:sldId id="728" r:id="rId11"/>
+    <p:sldId id="724" r:id="rId12"/>
+    <p:sldId id="719" r:id="rId13"/>
+    <p:sldId id="726" r:id="rId14"/>
+    <p:sldId id="727" r:id="rId15"/>
+    <p:sldId id="729" r:id="rId16"/>
+    <p:sldId id="723" r:id="rId17"/>
+    <p:sldId id="680" r:id="rId18"/>
   </p:sldIdLst>
   <p:sldSz cx="12196763" cy="6858000"/>
   <p:notesSz cx="6805613" cy="9939338"/>
   <p:custDataLst>
-    <p:tags r:id="rId20"/>
+    <p:tags r:id="rId21"/>
   </p:custDataLst>
   <p:defaultTextStyle>
     <a:defPPr>
@@ -388,7 +389,7 @@
               <a:pPr>
                 <a:defRPr/>
               </a:pPr>
-              <a:t>2022/9/22</a:t>
+              <a:t>2022/10/4</a:t>
             </a:fld>
             <a:endParaRPr lang="en-US" altLang="zh-CN"/>
           </a:p>
@@ -641,7 +642,7 @@
             <a:fld id="{C45443A1-D8F2-48CD-A659-3CEDBA8DF541}" type="datetimeFigureOut">
               <a:rPr lang="zh-CN" altLang="en-US" smtClean="0"/>
               <a:pPr/>
-              <a:t>2022/9/22</a:t>
+              <a:t>2022/10/4</a:t>
             </a:fld>
             <a:endParaRPr lang="zh-CN" altLang="en-US"/>
           </a:p>
@@ -1143,7 +1144,7 @@
     </p:spTree>
     <p:extLst>
       <p:ext uri="{BB962C8B-B14F-4D97-AF65-F5344CB8AC3E}">
-        <p14:creationId xmlns:p14="http://schemas.microsoft.com/office/powerpoint/2010/main" val="2395497330"/>
+        <p14:creationId xmlns:p14="http://schemas.microsoft.com/office/powerpoint/2010/main" val="4277392603"/>
       </p:ext>
     </p:extLst>
   </p:cSld>
@@ -1198,7 +1199,7 @@
           <a:lstStyle/>
           <a:p>
             <a:r>
-              <a:rPr lang="zh-CN" altLang="en-US" sz="1600" b="1" i="0" kern="1200" dirty="0">
+              <a:rPr lang="zh-CN" altLang="en-US" sz="1600" b="0" i="0" kern="1200" dirty="0">
                 <a:solidFill>
                   <a:schemeClr val="tx1"/>
                 </a:solidFill>
@@ -1207,10 +1208,10 @@
                 <a:ea typeface="+mn-ea"/>
                 <a:cs typeface="+mn-cs"/>
               </a:rPr>
-              <a:t>符号微分</a:t>
-            </a:r>
-            <a:r>
-              <a:rPr lang="zh-CN" altLang="en-US" sz="1600" b="0" i="0" kern="1200" dirty="0">
+              <a:t>计算反向传播、贝叶斯推理、不确定性量化和概率编程等算法的梯度时，我们需要把所有的代码以微分型写入框架内。这对于将机器学习引入新领域带来了问题：在物理模拟、游戏引擎、气候模型中，原领域组件不是由机器学习框架的特定领域语言（</a:t>
+            </a:r>
+            <a:r>
+              <a:rPr lang="en-US" altLang="zh-CN" sz="1600" b="0" i="0" kern="1200" dirty="0">
                 <a:solidFill>
                   <a:schemeClr val="tx1"/>
                 </a:solidFill>
@@ -1219,12 +1220,10 @@
                 <a:ea typeface="+mn-ea"/>
                 <a:cs typeface="+mn-cs"/>
               </a:rPr>
-              <a:t>基于微分规则对程序表达式进行变换，不复用产生的变换结果</a:t>
-            </a:r>
-          </a:p>
-          <a:p>
-            <a:r>
-              <a:rPr lang="zh-CN" altLang="en-US" sz="1600" b="1" i="0" kern="1200" dirty="0">
+              <a:t>DSL</a:t>
+            </a:r>
+            <a:r>
+              <a:rPr lang="zh-CN" altLang="en-US" sz="1600" b="0" i="0" kern="1200" dirty="0">
                 <a:solidFill>
                   <a:schemeClr val="tx1"/>
                 </a:solidFill>
@@ -1233,20 +1232,9 @@
                 <a:ea typeface="+mn-ea"/>
                 <a:cs typeface="+mn-cs"/>
               </a:rPr>
-              <a:t>自动微分</a:t>
-            </a:r>
-            <a:r>
-              <a:rPr lang="zh-CN" altLang="en-US" sz="1600" b="0" i="0" kern="1200" dirty="0">
-                <a:solidFill>
-                  <a:schemeClr val="tx1"/>
-                </a:solidFill>
-                <a:effectLst/>
-                <a:latin typeface="+mn-lt"/>
-                <a:ea typeface="+mn-ea"/>
-                <a:cs typeface="+mn-cs"/>
-              </a:rPr>
-              <a:t>则将程序分解为基本表达式的组合，仅对基本表达式应用符号微分规则，并复用每一个基本表达式的求导结果</a:t>
-            </a:r>
+              <a:t>）编写的。因此在将机器学习引入科学计算时，重写需求成为了一个挑战。</a:t>
+            </a:r>
+            <a:endParaRPr kumimoji="1" lang="zh-CN" altLang="en-US" dirty="0"/>
           </a:p>
         </p:txBody>
       </p:sp>
@@ -1268,7 +1256,141 @@
             <a:fld id="{5DFA3554-790F-44C9-BFAE-3E6D5D7BE10A}" type="slidenum">
               <a:rPr lang="zh-CN" altLang="en-US" smtClean="0"/>
               <a:pPr/>
-              <a:t>10</a:t>
+              <a:t>5</a:t>
+            </a:fld>
+            <a:endParaRPr lang="zh-CN" altLang="en-US"/>
+          </a:p>
+        </p:txBody>
+      </p:sp>
+    </p:spTree>
+    <p:extLst>
+      <p:ext uri="{BB962C8B-B14F-4D97-AF65-F5344CB8AC3E}">
+        <p14:creationId xmlns:p14="http://schemas.microsoft.com/office/powerpoint/2010/main" val="2395497330"/>
+      </p:ext>
+    </p:extLst>
+  </p:cSld>
+  <p:clrMapOvr>
+    <a:masterClrMapping/>
+  </p:clrMapOvr>
+</p:notes>
+</file>
+
+<file path=ppt/notesSlides/notesSlide4.xml><?xml version="1.0" encoding="utf-8"?>
+<p:notes xmlns:a="http://schemas.openxmlformats.org/drawingml/2006/main" xmlns:r="http://schemas.openxmlformats.org/officeDocument/2006/relationships" xmlns:p="http://schemas.openxmlformats.org/presentationml/2006/main">
+  <p:cSld>
+    <p:spTree>
+      <p:nvGrpSpPr>
+        <p:cNvPr id="1" name=""/>
+        <p:cNvGrpSpPr/>
+        <p:nvPr/>
+      </p:nvGrpSpPr>
+      <p:grpSpPr>
+        <a:xfrm>
+          <a:off x="0" y="0"/>
+          <a:ext cx="0" cy="0"/>
+          <a:chOff x="0" y="0"/>
+          <a:chExt cx="0" cy="0"/>
+        </a:xfrm>
+      </p:grpSpPr>
+      <p:sp>
+        <p:nvSpPr>
+          <p:cNvPr id="2" name="幻灯片图像占位符 1"/>
+          <p:cNvSpPr>
+            <a:spLocks noGrp="1" noRot="1" noChangeAspect="1"/>
+          </p:cNvSpPr>
+          <p:nvPr>
+            <p:ph type="sldImg"/>
+          </p:nvPr>
+        </p:nvSpPr>
+        <p:spPr/>
+      </p:sp>
+      <p:sp>
+        <p:nvSpPr>
+          <p:cNvPr id="3" name="备注占位符 2"/>
+          <p:cNvSpPr>
+            <a:spLocks noGrp="1"/>
+          </p:cNvSpPr>
+          <p:nvPr>
+            <p:ph type="body" idx="1"/>
+          </p:nvPr>
+        </p:nvSpPr>
+        <p:spPr/>
+        <p:txBody>
+          <a:bodyPr/>
+          <a:lstStyle/>
+          <a:p>
+            <a:r>
+              <a:rPr lang="zh-CN" altLang="en-US" sz="1600" b="1" i="0" kern="1200" dirty="0">
+                <a:solidFill>
+                  <a:schemeClr val="tx1"/>
+                </a:solidFill>
+                <a:effectLst/>
+                <a:latin typeface="+mn-lt"/>
+                <a:ea typeface="+mn-ea"/>
+                <a:cs typeface="+mn-cs"/>
+              </a:rPr>
+              <a:t>符号微分</a:t>
+            </a:r>
+            <a:r>
+              <a:rPr lang="zh-CN" altLang="en-US" sz="1600" b="0" i="0" kern="1200" dirty="0">
+                <a:solidFill>
+                  <a:schemeClr val="tx1"/>
+                </a:solidFill>
+                <a:effectLst/>
+                <a:latin typeface="+mn-lt"/>
+                <a:ea typeface="+mn-ea"/>
+                <a:cs typeface="+mn-cs"/>
+              </a:rPr>
+              <a:t>基于微分规则对程序表达式进行变换，不复用产生的变换结果</a:t>
+            </a:r>
+          </a:p>
+          <a:p>
+            <a:r>
+              <a:rPr lang="zh-CN" altLang="en-US" sz="1600" b="1" i="0" kern="1200" dirty="0">
+                <a:solidFill>
+                  <a:schemeClr val="tx1"/>
+                </a:solidFill>
+                <a:effectLst/>
+                <a:latin typeface="+mn-lt"/>
+                <a:ea typeface="+mn-ea"/>
+                <a:cs typeface="+mn-cs"/>
+              </a:rPr>
+              <a:t>自动微分</a:t>
+            </a:r>
+            <a:r>
+              <a:rPr lang="zh-CN" altLang="en-US" sz="1600" b="0" i="0" kern="1200" dirty="0">
+                <a:solidFill>
+                  <a:schemeClr val="tx1"/>
+                </a:solidFill>
+                <a:effectLst/>
+                <a:latin typeface="+mn-lt"/>
+                <a:ea typeface="+mn-ea"/>
+                <a:cs typeface="+mn-cs"/>
+              </a:rPr>
+              <a:t>则将程序分解为基本表达式的组合，仅对基本表达式应用符号微分规则，并复用每一个基本表达式的求导结果</a:t>
+            </a:r>
+          </a:p>
+        </p:txBody>
+      </p:sp>
+      <p:sp>
+        <p:nvSpPr>
+          <p:cNvPr id="4" name="灯片编号占位符 3"/>
+          <p:cNvSpPr>
+            <a:spLocks noGrp="1"/>
+          </p:cNvSpPr>
+          <p:nvPr>
+            <p:ph type="sldNum" sz="quarter" idx="5"/>
+          </p:nvPr>
+        </p:nvSpPr>
+        <p:spPr/>
+        <p:txBody>
+          <a:bodyPr/>
+          <a:lstStyle/>
+          <a:p>
+            <a:fld id="{5DFA3554-790F-44C9-BFAE-3E6D5D7BE10A}" type="slidenum">
+              <a:rPr lang="zh-CN" altLang="en-US" smtClean="0"/>
+              <a:pPr/>
+              <a:t>11</a:t>
             </a:fld>
             <a:endParaRPr lang="zh-CN" altLang="en-US"/>
           </a:p>
@@ -1287,7 +1409,7 @@
 </p:notes>
 </file>
 
-<file path=ppt/notesSlides/notesSlide4.xml><?xml version="1.0" encoding="utf-8"?>
+<file path=ppt/notesSlides/notesSlide5.xml><?xml version="1.0" encoding="utf-8"?>
 <p:notes xmlns:a="http://schemas.openxmlformats.org/drawingml/2006/main" xmlns:r="http://schemas.openxmlformats.org/officeDocument/2006/relationships" xmlns:p="http://schemas.openxmlformats.org/presentationml/2006/main">
   <p:cSld>
     <p:spTree>
@@ -1337,7 +1459,7 @@
                 </a:solidFill>
               </a:rPr>
               <a:pPr/>
-              <a:t>11</a:t>
+              <a:t>12</a:t>
             </a:fld>
             <a:endParaRPr lang="en-US" altLang="zh-CN">
               <a:solidFill>
@@ -1384,7 +1506,7 @@
                 <a:ea typeface="MS PGothic" pitchFamily="34" charset="-128"/>
               </a:rPr>
               <a:pPr algn="r" defTabSz="931863" eaLnBrk="0" hangingPunct="0"/>
-              <a:t>11</a:t>
+              <a:t>12</a:t>
             </a:fld>
             <a:endParaRPr lang="en-US" altLang="zh-CN" sz="1200">
               <a:solidFill>
@@ -16786,6 +16908,250 @@
                 <a:cs typeface="Arial" panose="020B0604020202020204" pitchFamily="34" charset="0"/>
                 <a:sym typeface="Huawei Sans" panose="020C0503030203020204" pitchFamily="34" charset="0"/>
               </a:rPr>
+              <a:t>AD</a:t>
+            </a:r>
+            <a:r>
+              <a:rPr lang="zh-CN" altLang="en-US" dirty="0">
+                <a:latin typeface="+mj-ea"/>
+                <a:cs typeface="Arial" panose="020B0604020202020204" pitchFamily="34" charset="0"/>
+                <a:sym typeface="Huawei Sans" panose="020C0503030203020204" pitchFamily="34" charset="0"/>
+              </a:rPr>
+              <a:t> </a:t>
+            </a:r>
+            <a:r>
+              <a:rPr lang="en-US" altLang="zh-CN" dirty="0">
+                <a:latin typeface="+mj-ea"/>
+                <a:cs typeface="Arial" panose="020B0604020202020204" pitchFamily="34" charset="0"/>
+                <a:sym typeface="Huawei Sans" panose="020C0503030203020204" pitchFamily="34" charset="0"/>
+              </a:rPr>
+              <a:t>Future</a:t>
+            </a:r>
+            <a:endParaRPr lang="zh-CN" altLang="en-US" dirty="0">
+              <a:latin typeface="+mj-ea"/>
+            </a:endParaRPr>
+          </a:p>
+        </p:txBody>
+      </p:sp>
+      <p:sp>
+        <p:nvSpPr>
+          <p:cNvPr id="7" name="矩形 6">
+            <a:extLst>
+              <a:ext uri="{FF2B5EF4-FFF2-40B4-BE49-F238E27FC236}">
+                <a16:creationId xmlns:a16="http://schemas.microsoft.com/office/drawing/2014/main" id="{096971EC-E988-8742-BCD0-6DAF6CD93769}"/>
+              </a:ext>
+            </a:extLst>
+          </p:cNvPr>
+          <p:cNvSpPr/>
+          <p:nvPr/>
+        </p:nvSpPr>
+        <p:spPr>
+          <a:xfrm>
+            <a:off x="669299" y="1372706"/>
+            <a:ext cx="1422184" cy="461665"/>
+          </a:xfrm>
+          <a:prstGeom prst="rect">
+            <a:avLst/>
+          </a:prstGeom>
+        </p:spPr>
+        <p:txBody>
+          <a:bodyPr wrap="none">
+            <a:spAutoFit/>
+          </a:bodyPr>
+          <a:lstStyle/>
+          <a:p>
+            <a:r>
+              <a:rPr lang="zh-CN" altLang="en-US" sz="2400" b="1" dirty="0">
+                <a:solidFill>
+                  <a:srgbClr val="34393C"/>
+                </a:solidFill>
+                <a:latin typeface="+mj-ea"/>
+                <a:ea typeface="+mj-ea"/>
+                <a:cs typeface="Apple Symbols" panose="02000000000000000000" pitchFamily="2" charset="-79"/>
+              </a:rPr>
+              <a:t>可</a:t>
+            </a:r>
+            <a:r>
+              <a:rPr lang="zh-CN" altLang="en-US" sz="2400" b="1">
+                <a:solidFill>
+                  <a:srgbClr val="34393C"/>
+                </a:solidFill>
+                <a:latin typeface="+mj-ea"/>
+                <a:ea typeface="+mj-ea"/>
+                <a:cs typeface="Apple Symbols" panose="02000000000000000000" pitchFamily="2" charset="-79"/>
+              </a:rPr>
+              <a:t>微编程</a:t>
+            </a:r>
+            <a:endParaRPr lang="en-US" altLang="zh-CN" sz="2400" b="1" dirty="0">
+              <a:solidFill>
+                <a:srgbClr val="34393C"/>
+              </a:solidFill>
+              <a:latin typeface="+mj-ea"/>
+              <a:ea typeface="+mj-ea"/>
+              <a:cs typeface="Apple Symbols" panose="02000000000000000000" pitchFamily="2" charset="-79"/>
+            </a:endParaRPr>
+          </a:p>
+        </p:txBody>
+      </p:sp>
+      <p:sp>
+        <p:nvSpPr>
+          <p:cNvPr id="3" name="矩形 2">
+            <a:extLst>
+              <a:ext uri="{FF2B5EF4-FFF2-40B4-BE49-F238E27FC236}">
+                <a16:creationId xmlns:a16="http://schemas.microsoft.com/office/drawing/2014/main" id="{4C3F490D-3BD7-B346-987E-F88E888C95E8}"/>
+              </a:ext>
+            </a:extLst>
+          </p:cNvPr>
+          <p:cNvSpPr/>
+          <p:nvPr/>
+        </p:nvSpPr>
+        <p:spPr>
+          <a:xfrm>
+            <a:off x="1201837" y="2132856"/>
+            <a:ext cx="6120680" cy="1253613"/>
+          </a:xfrm>
+          <a:prstGeom prst="rect">
+            <a:avLst/>
+          </a:prstGeom>
+        </p:spPr>
+        <p:txBody>
+          <a:bodyPr wrap="square">
+            <a:spAutoFit/>
+          </a:bodyPr>
+          <a:lstStyle/>
+          <a:p>
+            <a:pPr>
+              <a:lnSpc>
+                <a:spcPct val="130000"/>
+              </a:lnSpc>
+            </a:pPr>
+            <a:r>
+              <a:rPr lang="zh-CN" altLang="en-US" sz="2000" dirty="0">
+                <a:solidFill>
+                  <a:srgbClr val="34393C"/>
+                </a:solidFill>
+                <a:latin typeface="+mj-ea"/>
+                <a:ea typeface="+mj-ea"/>
+                <a:cs typeface="Apple Symbols" panose="02000000000000000000" pitchFamily="2" charset="-79"/>
+              </a:rPr>
+              <a:t>将自动微分技术与语言设计、编译器 </a:t>
+            </a:r>
+            <a:r>
+              <a:rPr lang="en-US" altLang="zh-CN" sz="2000" dirty="0">
+                <a:solidFill>
+                  <a:srgbClr val="34393C"/>
+                </a:solidFill>
+                <a:latin typeface="+mj-ea"/>
+                <a:ea typeface="+mj-ea"/>
+                <a:cs typeface="Apple Symbols" panose="02000000000000000000" pitchFamily="2" charset="-79"/>
+              </a:rPr>
+              <a:t>/ </a:t>
+            </a:r>
+            <a:r>
+              <a:rPr lang="zh-CN" altLang="en-US" sz="2000" dirty="0">
+                <a:solidFill>
+                  <a:srgbClr val="34393C"/>
+                </a:solidFill>
+                <a:latin typeface="+mj-ea"/>
+                <a:ea typeface="+mj-ea"/>
+                <a:cs typeface="Apple Symbols" panose="02000000000000000000" pitchFamily="2" charset="-79"/>
+              </a:rPr>
+              <a:t>解释器甚至 </a:t>
+            </a:r>
+            <a:r>
+              <a:rPr lang="en-US" altLang="zh-CN" sz="2000" dirty="0">
+                <a:solidFill>
+                  <a:srgbClr val="34393C"/>
+                </a:solidFill>
+                <a:latin typeface="+mj-ea"/>
+                <a:ea typeface="+mj-ea"/>
+                <a:cs typeface="Apple Symbols" panose="02000000000000000000" pitchFamily="2" charset="-79"/>
+              </a:rPr>
+              <a:t>IDE </a:t>
+            </a:r>
+            <a:r>
+              <a:rPr lang="zh-CN" altLang="en-US" sz="2000" dirty="0">
+                <a:solidFill>
+                  <a:srgbClr val="34393C"/>
+                </a:solidFill>
+                <a:latin typeface="+mj-ea"/>
+                <a:ea typeface="+mj-ea"/>
+                <a:cs typeface="Apple Symbols" panose="02000000000000000000" pitchFamily="2" charset="-79"/>
+              </a:rPr>
+              <a:t>等工具链等深度融合，将微分作为语言中</a:t>
+            </a:r>
+            <a:r>
+              <a:rPr lang="en-US" altLang="zh-CN" sz="2000" dirty="0">
+                <a:solidFill>
+                  <a:srgbClr val="34393C"/>
+                </a:solidFill>
+                <a:latin typeface="+mj-ea"/>
+                <a:ea typeface="+mj-ea"/>
+                <a:cs typeface="Apple Symbols" panose="02000000000000000000" pitchFamily="2" charset="-79"/>
+              </a:rPr>
+              <a:t>first-class feature</a:t>
+            </a:r>
+            <a:endParaRPr lang="zh-CN" altLang="en-US" sz="2000" dirty="0">
+              <a:solidFill>
+                <a:srgbClr val="34393C"/>
+              </a:solidFill>
+              <a:latin typeface="+mj-ea"/>
+              <a:ea typeface="+mj-ea"/>
+              <a:cs typeface="Apple Symbols" panose="02000000000000000000" pitchFamily="2" charset="-79"/>
+            </a:endParaRPr>
+          </a:p>
+        </p:txBody>
+      </p:sp>
+    </p:spTree>
+    <p:extLst>
+      <p:ext uri="{BB962C8B-B14F-4D97-AF65-F5344CB8AC3E}">
+        <p14:creationId xmlns:p14="http://schemas.microsoft.com/office/powerpoint/2010/main" val="2512688208"/>
+      </p:ext>
+    </p:extLst>
+  </p:cSld>
+  <p:clrMapOvr>
+    <a:masterClrMapping/>
+  </p:clrMapOvr>
+</p:sld>
+</file>
+
+<file path=ppt/slides/slide11.xml><?xml version="1.0" encoding="utf-8"?>
+<p:sld xmlns:a="http://schemas.openxmlformats.org/drawingml/2006/main" xmlns:r="http://schemas.openxmlformats.org/officeDocument/2006/relationships" xmlns:p="http://schemas.openxmlformats.org/presentationml/2006/main">
+  <p:cSld>
+    <p:spTree>
+      <p:nvGrpSpPr>
+        <p:cNvPr id="1" name=""/>
+        <p:cNvGrpSpPr/>
+        <p:nvPr/>
+      </p:nvGrpSpPr>
+      <p:grpSpPr>
+        <a:xfrm>
+          <a:off x="0" y="0"/>
+          <a:ext cx="0" cy="0"/>
+          <a:chOff x="0" y="0"/>
+          <a:chExt cx="0" cy="0"/>
+        </a:xfrm>
+      </p:grpSpPr>
+      <p:sp>
+        <p:nvSpPr>
+          <p:cNvPr id="2" name="标题 1"/>
+          <p:cNvSpPr>
+            <a:spLocks noGrp="1"/>
+          </p:cNvSpPr>
+          <p:nvPr>
+            <p:ph type="title"/>
+          </p:nvPr>
+        </p:nvSpPr>
+        <p:spPr/>
+        <p:txBody>
+          <a:bodyPr/>
+          <a:lstStyle/>
+          <a:p>
+            <a:r>
+              <a:rPr lang="en-US" altLang="zh-CN" dirty="0">
+                <a:latin typeface="+mj-ea"/>
+                <a:cs typeface="Arial" panose="020B0604020202020204" pitchFamily="34" charset="0"/>
+                <a:sym typeface="Huawei Sans" panose="020C0503030203020204" pitchFamily="34" charset="0"/>
+              </a:rPr>
               <a:t>Conclusion</a:t>
             </a:r>
             <a:endParaRPr lang="zh-CN" altLang="en-US" dirty="0">
@@ -16899,7 +17265,7 @@
 </p:sld>
 </file>
 
-<file path=ppt/slides/slide11.xml><?xml version="1.0" encoding="utf-8"?>
+<file path=ppt/slides/slide12.xml><?xml version="1.0" encoding="utf-8"?>
 <p:sld xmlns:a="http://schemas.openxmlformats.org/drawingml/2006/main" xmlns:r="http://schemas.openxmlformats.org/officeDocument/2006/relationships" xmlns:p="http://schemas.openxmlformats.org/presentationml/2006/main">
   <p:cSld>
     <p:spTree>
@@ -17412,56 +17778,8 @@
           </a:p>
         </p:txBody>
       </p:sp>
-      <p:sp>
-        <p:nvSpPr>
-          <p:cNvPr id="6" name="矩形 5">
-            <a:extLst>
-              <a:ext uri="{FF2B5EF4-FFF2-40B4-BE49-F238E27FC236}">
-                <a16:creationId xmlns:a16="http://schemas.microsoft.com/office/drawing/2014/main" id="{7919D942-E00C-1445-A79B-559147232872}"/>
-              </a:ext>
-            </a:extLst>
-          </p:cNvPr>
-          <p:cNvSpPr/>
-          <p:nvPr/>
-        </p:nvSpPr>
-        <p:spPr>
-          <a:xfrm>
-            <a:off x="669299" y="1240161"/>
-            <a:ext cx="1980029" cy="400110"/>
-          </a:xfrm>
-          <a:prstGeom prst="rect">
-            <a:avLst/>
-          </a:prstGeom>
-        </p:spPr>
-        <p:txBody>
-          <a:bodyPr wrap="none">
-            <a:spAutoFit/>
-          </a:bodyPr>
-          <a:lstStyle/>
-          <a:p>
-            <a:r>
-              <a:rPr lang="zh-CN" altLang="en-US" sz="2000" b="1" dirty="0">
-                <a:solidFill>
-                  <a:srgbClr val="34393C"/>
-                </a:solidFill>
-                <a:latin typeface="+mj-ea"/>
-                <a:ea typeface="+mj-ea"/>
-              </a:rPr>
-              <a:t>控制流表达问题</a:t>
-            </a:r>
-            <a:endParaRPr lang="en-US" altLang="zh-CN" sz="2000" b="1" dirty="0">
-              <a:solidFill>
-                <a:srgbClr val="34393C"/>
-              </a:solidFill>
-              <a:latin typeface="+mj-ea"/>
-              <a:ea typeface="+mj-ea"/>
-              <a:cs typeface="Apple Symbols" panose="02000000000000000000" pitchFamily="2" charset="-79"/>
-            </a:endParaRPr>
-          </a:p>
-        </p:txBody>
-      </p:sp>
-      <mc:AlternateContent xmlns:mc="http://schemas.openxmlformats.org/markup-compatibility/2006" xmlns:a14="http://schemas.microsoft.com/office/drawing/2010/main">
-        <mc:Choice Requires="a14">
+      <mc:AlternateContent xmlns:mc="http://schemas.openxmlformats.org/markup-compatibility/2006">
+        <mc:Choice xmlns:a14="http://schemas.microsoft.com/office/drawing/2010/main" Requires="a14">
           <p:sp>
             <p:nvSpPr>
               <p:cNvPr id="14" name="文本框 13">
@@ -17476,7 +17794,7 @@
             </p:nvSpPr>
             <p:spPr>
               <a:xfrm>
-                <a:off x="856392" y="1736944"/>
+                <a:off x="978079" y="3429000"/>
                 <a:ext cx="4178601" cy="1188000"/>
               </a:xfrm>
               <a:prstGeom prst="rect">
@@ -18033,7 +18351,7 @@
             </p:txBody>
           </p:sp>
         </mc:Choice>
-        <mc:Fallback xmlns="">
+        <mc:Fallback>
           <p:sp>
             <p:nvSpPr>
               <p:cNvPr id="14" name="文本框 13">
@@ -18050,7 +18368,7 @@
             </p:nvSpPr>
             <p:spPr>
               <a:xfrm>
-                <a:off x="856392" y="1736944"/>
+                <a:off x="978079" y="3429000"/>
                 <a:ext cx="4178601" cy="1188000"/>
               </a:xfrm>
               <a:prstGeom prst="rect">
@@ -18092,7 +18410,7 @@
         </p:nvSpPr>
         <p:spPr>
           <a:xfrm>
-            <a:off x="6187471" y="1736944"/>
+            <a:off x="6309158" y="3429000"/>
             <a:ext cx="5256234" cy="1169551"/>
           </a:xfrm>
           <a:prstGeom prst="rect">
@@ -18532,7 +18850,1380 @@
         </p:blipFill>
         <p:spPr>
           <a:xfrm rot="16200000">
-            <a:off x="5617923" y="2046494"/>
+            <a:off x="5739610" y="3738550"/>
+            <a:ext cx="143347" cy="604104"/>
+          </a:xfrm>
+          <a:prstGeom prst="rect">
+            <a:avLst/>
+          </a:prstGeom>
+        </p:spPr>
+      </p:pic>
+      <p:sp>
+        <p:nvSpPr>
+          <p:cNvPr id="3" name="矩形 2">
+            <a:extLst>
+              <a:ext uri="{FF2B5EF4-FFF2-40B4-BE49-F238E27FC236}">
+                <a16:creationId xmlns:a16="http://schemas.microsoft.com/office/drawing/2014/main" id="{84B9DAF9-8D83-8D4F-883A-6A7A399C777F}"/>
+              </a:ext>
+            </a:extLst>
+          </p:cNvPr>
+          <p:cNvSpPr/>
+          <p:nvPr/>
+        </p:nvSpPr>
+        <p:spPr>
+          <a:xfrm>
+            <a:off x="940933" y="2042830"/>
+            <a:ext cx="4178601" cy="874407"/>
+          </a:xfrm>
+          <a:prstGeom prst="rect">
+            <a:avLst/>
+          </a:prstGeom>
+        </p:spPr>
+        <p:txBody>
+          <a:bodyPr wrap="square">
+            <a:spAutoFit/>
+          </a:bodyPr>
+          <a:lstStyle/>
+          <a:p>
+            <a:pPr marL="285750" indent="-285750">
+              <a:lnSpc>
+                <a:spcPct val="150000"/>
+              </a:lnSpc>
+              <a:buFont typeface="Arial" panose="020B0604020202020204" pitchFamily="34" charset="0"/>
+              <a:buChar char="•"/>
+            </a:pPr>
+            <a:r>
+              <a:rPr lang="zh-CN" altLang="en-US" dirty="0">
+                <a:solidFill>
+                  <a:srgbClr val="121212"/>
+                </a:solidFill>
+                <a:latin typeface="+mj-ea"/>
+                <a:ea typeface="+mj-ea"/>
+              </a:rPr>
+              <a:t>理想中的自动微分是对</a:t>
+            </a:r>
+            <a:r>
+              <a:rPr lang="zh-CN" altLang="en-US" b="1" dirty="0">
+                <a:solidFill>
+                  <a:srgbClr val="121212"/>
+                </a:solidFill>
+                <a:latin typeface="+mj-ea"/>
+                <a:ea typeface="+mj-ea"/>
+              </a:rPr>
+              <a:t>数学表达</a:t>
+            </a:r>
+            <a:r>
+              <a:rPr lang="zh-CN" altLang="en-US" dirty="0">
+                <a:solidFill>
+                  <a:srgbClr val="121212"/>
+                </a:solidFill>
+                <a:latin typeface="+mj-ea"/>
+                <a:ea typeface="+mj-ea"/>
+              </a:rPr>
+              <a:t>的分解、微分和组合过程</a:t>
+            </a:r>
+          </a:p>
+        </p:txBody>
+      </p:sp>
+      <p:sp>
+        <p:nvSpPr>
+          <p:cNvPr id="4" name="矩形 3">
+            <a:extLst>
+              <a:ext uri="{FF2B5EF4-FFF2-40B4-BE49-F238E27FC236}">
+                <a16:creationId xmlns:a16="http://schemas.microsoft.com/office/drawing/2014/main" id="{48C9B3CF-AAE4-C540-8ED8-D3A05123AC09}"/>
+              </a:ext>
+            </a:extLst>
+          </p:cNvPr>
+          <p:cNvSpPr/>
+          <p:nvPr/>
+        </p:nvSpPr>
+        <p:spPr>
+          <a:xfrm>
+            <a:off x="6602437" y="2045845"/>
+            <a:ext cx="4353124" cy="871392"/>
+          </a:xfrm>
+          <a:prstGeom prst="rect">
+            <a:avLst/>
+          </a:prstGeom>
+        </p:spPr>
+        <p:txBody>
+          <a:bodyPr wrap="square">
+            <a:spAutoFit/>
+          </a:bodyPr>
+          <a:lstStyle/>
+          <a:p>
+            <a:pPr marL="285750" indent="-285750">
+              <a:lnSpc>
+                <a:spcPct val="150000"/>
+              </a:lnSpc>
+              <a:buFont typeface="Arial" panose="020B0604020202020204" pitchFamily="34" charset="0"/>
+              <a:buChar char="•"/>
+            </a:pPr>
+            <a:r>
+              <a:rPr lang="zh-CN" altLang="en-US" dirty="0">
+                <a:solidFill>
+                  <a:srgbClr val="121212"/>
+                </a:solidFill>
+                <a:latin typeface="+mj-ea"/>
+                <a:ea typeface="+mj-ea"/>
+              </a:rPr>
+              <a:t>实际中的自动微分是对</a:t>
+            </a:r>
+            <a:r>
+              <a:rPr lang="zh-CN" altLang="en-US" b="1" dirty="0">
+                <a:solidFill>
+                  <a:srgbClr val="121212"/>
+                </a:solidFill>
+                <a:latin typeface="+mj-ea"/>
+                <a:ea typeface="+mj-ea"/>
+              </a:rPr>
+              <a:t>程序表达</a:t>
+            </a:r>
+            <a:r>
+              <a:rPr lang="zh-CN" altLang="en-US" dirty="0">
+                <a:solidFill>
+                  <a:srgbClr val="121212"/>
+                </a:solidFill>
+                <a:latin typeface="+mj-ea"/>
+                <a:ea typeface="+mj-ea"/>
+              </a:rPr>
+              <a:t>的分解、微分和组合过程</a:t>
+            </a:r>
+          </a:p>
+        </p:txBody>
+      </p:sp>
+    </p:spTree>
+    <p:extLst>
+      <p:ext uri="{BB962C8B-B14F-4D97-AF65-F5344CB8AC3E}">
+        <p14:creationId xmlns:p14="http://schemas.microsoft.com/office/powerpoint/2010/main" val="4115932516"/>
+      </p:ext>
+    </p:extLst>
+  </p:cSld>
+  <p:clrMapOvr>
+    <a:masterClrMapping/>
+  </p:clrMapOvr>
+</p:sld>
+</file>
+
+<file path=ppt/slides/slide4.xml><?xml version="1.0" encoding="utf-8"?>
+<p:sld xmlns:a="http://schemas.openxmlformats.org/drawingml/2006/main" xmlns:r="http://schemas.openxmlformats.org/officeDocument/2006/relationships" xmlns:p="http://schemas.openxmlformats.org/presentationml/2006/main">
+  <p:cSld>
+    <p:spTree>
+      <p:nvGrpSpPr>
+        <p:cNvPr id="1" name=""/>
+        <p:cNvGrpSpPr/>
+        <p:nvPr/>
+      </p:nvGrpSpPr>
+      <p:grpSpPr>
+        <a:xfrm>
+          <a:off x="0" y="0"/>
+          <a:ext cx="0" cy="0"/>
+          <a:chOff x="0" y="0"/>
+          <a:chExt cx="0" cy="0"/>
+        </a:xfrm>
+      </p:grpSpPr>
+      <p:sp>
+        <p:nvSpPr>
+          <p:cNvPr id="2" name="标题 1"/>
+          <p:cNvSpPr>
+            <a:spLocks noGrp="1"/>
+          </p:cNvSpPr>
+          <p:nvPr>
+            <p:ph type="title"/>
+          </p:nvPr>
+        </p:nvSpPr>
+        <p:spPr/>
+        <p:txBody>
+          <a:bodyPr/>
+          <a:lstStyle/>
+          <a:p>
+            <a:r>
+              <a:rPr lang="en-US" altLang="zh-CN" dirty="0">
+                <a:latin typeface="+mj-ea"/>
+                <a:cs typeface="Arial" panose="020B0604020202020204" pitchFamily="34" charset="0"/>
+                <a:sym typeface="Huawei Sans" panose="020C0503030203020204" pitchFamily="34" charset="0"/>
+              </a:rPr>
+              <a:t>AD</a:t>
+            </a:r>
+            <a:r>
+              <a:rPr lang="zh-CN" altLang="en-US" dirty="0">
+                <a:latin typeface="+mj-ea"/>
+                <a:cs typeface="Arial" panose="020B0604020202020204" pitchFamily="34" charset="0"/>
+                <a:sym typeface="Huawei Sans" panose="020C0503030203020204" pitchFamily="34" charset="0"/>
+              </a:rPr>
+              <a:t> </a:t>
+            </a:r>
+            <a:r>
+              <a:rPr lang="en-US" altLang="zh-CN" dirty="0">
+                <a:latin typeface="+mj-ea"/>
+                <a:cs typeface="Arial" panose="020B0604020202020204" pitchFamily="34" charset="0"/>
+                <a:sym typeface="Huawei Sans" panose="020C0503030203020204" pitchFamily="34" charset="0"/>
+              </a:rPr>
+              <a:t>Challenge</a:t>
+            </a:r>
+            <a:r>
+              <a:rPr lang="zh-CN" altLang="en-US" dirty="0">
+                <a:latin typeface="+mj-ea"/>
+                <a:cs typeface="Arial" panose="020B0604020202020204" pitchFamily="34" charset="0"/>
+                <a:sym typeface="Huawei Sans" panose="020C0503030203020204" pitchFamily="34" charset="0"/>
+              </a:rPr>
+              <a:t> </a:t>
+            </a:r>
+            <a:r>
+              <a:rPr lang="en-US" altLang="zh-CN" dirty="0">
+                <a:latin typeface="+mj-ea"/>
+                <a:cs typeface="Arial" panose="020B0604020202020204" pitchFamily="34" charset="0"/>
+                <a:sym typeface="Huawei Sans" panose="020C0503030203020204" pitchFamily="34" charset="0"/>
+              </a:rPr>
+              <a:t>-</a:t>
+            </a:r>
+            <a:r>
+              <a:rPr lang="zh-CN" altLang="en-US" dirty="0">
+                <a:latin typeface="+mj-ea"/>
+                <a:cs typeface="Arial" panose="020B0604020202020204" pitchFamily="34" charset="0"/>
+                <a:sym typeface="Huawei Sans" panose="020C0503030203020204" pitchFamily="34" charset="0"/>
+              </a:rPr>
+              <a:t> </a:t>
+            </a:r>
+            <a:r>
+              <a:rPr lang="en-US" altLang="zh-CN" dirty="0"/>
+              <a:t>Ease of use</a:t>
+            </a:r>
+            <a:r>
+              <a:rPr lang="zh-CN" altLang="en-US" dirty="0"/>
+              <a:t> </a:t>
+            </a:r>
+            <a:r>
+              <a:rPr lang="en-US" altLang="zh-CN" dirty="0"/>
+              <a:t>(I)</a:t>
+            </a:r>
+            <a:endParaRPr lang="zh-CN" altLang="en-US" dirty="0">
+              <a:latin typeface="+mj-ea"/>
+            </a:endParaRPr>
+          </a:p>
+        </p:txBody>
+      </p:sp>
+      <p:sp>
+        <p:nvSpPr>
+          <p:cNvPr id="6" name="矩形 5">
+            <a:extLst>
+              <a:ext uri="{FF2B5EF4-FFF2-40B4-BE49-F238E27FC236}">
+                <a16:creationId xmlns:a16="http://schemas.microsoft.com/office/drawing/2014/main" id="{7919D942-E00C-1445-A79B-559147232872}"/>
+              </a:ext>
+            </a:extLst>
+          </p:cNvPr>
+          <p:cNvSpPr/>
+          <p:nvPr/>
+        </p:nvSpPr>
+        <p:spPr>
+          <a:xfrm>
+            <a:off x="622980" y="1472706"/>
+            <a:ext cx="1980029" cy="400110"/>
+          </a:xfrm>
+          <a:prstGeom prst="rect">
+            <a:avLst/>
+          </a:prstGeom>
+        </p:spPr>
+        <p:txBody>
+          <a:bodyPr wrap="none">
+            <a:spAutoFit/>
+          </a:bodyPr>
+          <a:lstStyle/>
+          <a:p>
+            <a:r>
+              <a:rPr lang="zh-CN" altLang="en-US" sz="2000" b="1" dirty="0">
+                <a:solidFill>
+                  <a:srgbClr val="34393C"/>
+                </a:solidFill>
+                <a:latin typeface="+mj-ea"/>
+                <a:ea typeface="+mj-ea"/>
+              </a:rPr>
+              <a:t>控制流表达问题</a:t>
+            </a:r>
+            <a:endParaRPr lang="en-US" altLang="zh-CN" sz="2000" b="1" dirty="0">
+              <a:solidFill>
+                <a:srgbClr val="34393C"/>
+              </a:solidFill>
+              <a:latin typeface="+mj-ea"/>
+              <a:ea typeface="+mj-ea"/>
+              <a:cs typeface="Apple Symbols" panose="02000000000000000000" pitchFamily="2" charset="-79"/>
+            </a:endParaRPr>
+          </a:p>
+        </p:txBody>
+      </p:sp>
+      <mc:AlternateContent xmlns:mc="http://schemas.openxmlformats.org/markup-compatibility/2006">
+        <mc:Choice xmlns:a14="http://schemas.microsoft.com/office/drawing/2010/main" Requires="a14">
+          <p:sp>
+            <p:nvSpPr>
+              <p:cNvPr id="14" name="文本框 13">
+                <a:extLst>
+                  <a:ext uri="{FF2B5EF4-FFF2-40B4-BE49-F238E27FC236}">
+                    <a16:creationId xmlns:a16="http://schemas.microsoft.com/office/drawing/2014/main" id="{9CBAF653-106B-584F-9544-E4D3D5B8BABB}"/>
+                  </a:ext>
+                </a:extLst>
+              </p:cNvPr>
+              <p:cNvSpPr txBox="1"/>
+              <p:nvPr/>
+            </p:nvSpPr>
+            <p:spPr>
+              <a:xfrm>
+                <a:off x="810073" y="1969489"/>
+                <a:ext cx="4178601" cy="1188000"/>
+              </a:xfrm>
+              <a:prstGeom prst="rect">
+                <a:avLst/>
+              </a:prstGeom>
+              <a:solidFill>
+                <a:schemeClr val="bg2">
+                  <a:lumMod val="20000"/>
+                  <a:lumOff val="80000"/>
+                </a:schemeClr>
+              </a:solidFill>
+            </p:spPr>
+            <p:txBody>
+              <a:bodyPr wrap="square" rtlCol="0">
+                <a:spAutoFit/>
+              </a:bodyPr>
+              <a:lstStyle/>
+              <a:p>
+                <a:pPr>
+                  <a:lnSpc>
+                    <a:spcPct val="150000"/>
+                  </a:lnSpc>
+                  <a:buNone/>
+                </a:pPr>
+                <a14:m>
+                  <m:oMathPara xmlns:m="http://schemas.openxmlformats.org/officeDocument/2006/math">
+                    <m:oMathParaPr>
+                      <m:jc m:val="left"/>
+                    </m:oMathParaPr>
+                    <m:oMath xmlns:m="http://schemas.openxmlformats.org/officeDocument/2006/math">
+                      <m:sSub>
+                        <m:sSubPr>
+                          <m:ctrlPr>
+                            <a:rPr kumimoji="1" lang="en-US" altLang="zh-CN" sz="1400" b="0" i="1" smtClean="0">
+                              <a:solidFill>
+                                <a:srgbClr val="384056"/>
+                              </a:solidFill>
+                              <a:latin typeface="Cambria Math" panose="02040503050406030204" pitchFamily="18" charset="0"/>
+                            </a:rPr>
+                          </m:ctrlPr>
+                        </m:sSubPr>
+                        <m:e>
+                          <m:r>
+                            <a:rPr kumimoji="1" lang="en-US" altLang="zh-CN" sz="1400" b="0" i="1" smtClean="0">
+                              <a:solidFill>
+                                <a:srgbClr val="384056"/>
+                              </a:solidFill>
+                              <a:latin typeface="Cambria Math" panose="02040503050406030204" pitchFamily="18" charset="0"/>
+                            </a:rPr>
+                            <m:t>𝑙</m:t>
+                          </m:r>
+                        </m:e>
+                        <m:sub>
+                          <m:r>
+                            <a:rPr kumimoji="1" lang="en-US" altLang="zh-CN" sz="1400" b="0" i="1" smtClean="0">
+                              <a:solidFill>
+                                <a:srgbClr val="384056"/>
+                              </a:solidFill>
+                              <a:latin typeface="Cambria Math" panose="02040503050406030204" pitchFamily="18" charset="0"/>
+                            </a:rPr>
+                            <m:t>1</m:t>
+                          </m:r>
+                        </m:sub>
+                      </m:sSub>
+                      <m:r>
+                        <a:rPr kumimoji="1" lang="en-US" altLang="zh-CN" sz="1400" b="0" i="1" smtClean="0">
+                          <a:solidFill>
+                            <a:srgbClr val="384056"/>
+                          </a:solidFill>
+                          <a:latin typeface="Cambria Math" panose="02040503050406030204" pitchFamily="18" charset="0"/>
+                        </a:rPr>
+                        <m:t>=</m:t>
+                      </m:r>
+                      <m:r>
+                        <a:rPr kumimoji="1" lang="en-US" altLang="zh-CN" sz="1400" b="0" i="1" smtClean="0">
+                          <a:solidFill>
+                            <a:srgbClr val="384056"/>
+                          </a:solidFill>
+                          <a:latin typeface="Cambria Math" panose="02040503050406030204" pitchFamily="18" charset="0"/>
+                        </a:rPr>
+                        <m:t>𝑥</m:t>
+                      </m:r>
+                    </m:oMath>
+                  </m:oMathPara>
+                </a14:m>
+                <a:endParaRPr kumimoji="1" lang="en-US" altLang="zh-CN" sz="1400" b="0" dirty="0">
+                  <a:solidFill>
+                    <a:srgbClr val="384056"/>
+                  </a:solidFill>
+                  <a:latin typeface="+mn-lt"/>
+                </a:endParaRPr>
+              </a:p>
+              <a:p>
+                <a:pPr>
+                  <a:lnSpc>
+                    <a:spcPct val="150000"/>
+                  </a:lnSpc>
+                </a:pPr>
+                <a14:m>
+                  <m:oMathPara xmlns:m="http://schemas.openxmlformats.org/officeDocument/2006/math">
+                    <m:oMathParaPr>
+                      <m:jc m:val="left"/>
+                    </m:oMathParaPr>
+                    <m:oMath xmlns:m="http://schemas.openxmlformats.org/officeDocument/2006/math">
+                      <m:sSub>
+                        <m:sSubPr>
+                          <m:ctrlPr>
+                            <a:rPr kumimoji="1" lang="en-US" altLang="zh-CN" sz="1400" i="1">
+                              <a:solidFill>
+                                <a:srgbClr val="384056"/>
+                              </a:solidFill>
+                              <a:latin typeface="Cambria Math" panose="02040503050406030204" pitchFamily="18" charset="0"/>
+                            </a:rPr>
+                          </m:ctrlPr>
+                        </m:sSubPr>
+                        <m:e>
+                          <m:r>
+                            <a:rPr kumimoji="1" lang="en-US" altLang="zh-CN" sz="1400" i="1">
+                              <a:solidFill>
+                                <a:srgbClr val="384056"/>
+                              </a:solidFill>
+                              <a:latin typeface="Cambria Math" panose="02040503050406030204" pitchFamily="18" charset="0"/>
+                            </a:rPr>
+                            <m:t>𝑙</m:t>
+                          </m:r>
+                        </m:e>
+                        <m:sub>
+                          <m:r>
+                            <a:rPr kumimoji="1" lang="en-US" altLang="zh-CN" sz="1400" b="0" i="1" smtClean="0">
+                              <a:solidFill>
+                                <a:srgbClr val="384056"/>
+                              </a:solidFill>
+                              <a:latin typeface="Cambria Math" panose="02040503050406030204" pitchFamily="18" charset="0"/>
+                            </a:rPr>
+                            <m:t>𝑛</m:t>
+                          </m:r>
+                          <m:r>
+                            <a:rPr kumimoji="1" lang="en-US" altLang="zh-CN" sz="1400" b="0" i="1" smtClean="0">
+                              <a:solidFill>
+                                <a:srgbClr val="384056"/>
+                              </a:solidFill>
+                              <a:latin typeface="Cambria Math" panose="02040503050406030204" pitchFamily="18" charset="0"/>
+                            </a:rPr>
+                            <m:t>+1</m:t>
+                          </m:r>
+                        </m:sub>
+                      </m:sSub>
+                      <m:r>
+                        <a:rPr kumimoji="1" lang="en-US" altLang="zh-CN" sz="1400" i="1">
+                          <a:solidFill>
+                            <a:srgbClr val="384056"/>
+                          </a:solidFill>
+                          <a:latin typeface="Cambria Math" panose="02040503050406030204" pitchFamily="18" charset="0"/>
+                        </a:rPr>
+                        <m:t>=</m:t>
+                      </m:r>
+                      <m:r>
+                        <a:rPr kumimoji="1" lang="en-US" altLang="zh-CN" sz="1400" b="0" i="1" smtClean="0">
+                          <a:solidFill>
+                            <a:srgbClr val="384056"/>
+                          </a:solidFill>
+                          <a:latin typeface="Cambria Math" panose="02040503050406030204" pitchFamily="18" charset="0"/>
+                        </a:rPr>
+                        <m:t>4</m:t>
+                      </m:r>
+                      <m:sSub>
+                        <m:sSubPr>
+                          <m:ctrlPr>
+                            <a:rPr kumimoji="1" lang="en-US" altLang="zh-CN" sz="1400" i="1">
+                              <a:solidFill>
+                                <a:srgbClr val="384056"/>
+                              </a:solidFill>
+                              <a:latin typeface="Cambria Math" panose="02040503050406030204" pitchFamily="18" charset="0"/>
+                            </a:rPr>
+                          </m:ctrlPr>
+                        </m:sSubPr>
+                        <m:e>
+                          <m:r>
+                            <a:rPr kumimoji="1" lang="en-US" altLang="zh-CN" sz="1400" i="1">
+                              <a:solidFill>
+                                <a:srgbClr val="384056"/>
+                              </a:solidFill>
+                              <a:latin typeface="Cambria Math" panose="02040503050406030204" pitchFamily="18" charset="0"/>
+                            </a:rPr>
+                            <m:t>𝑙</m:t>
+                          </m:r>
+                        </m:e>
+                        <m:sub>
+                          <m:r>
+                            <a:rPr kumimoji="1" lang="en-US" altLang="zh-CN" sz="1400" i="1">
+                              <a:solidFill>
+                                <a:srgbClr val="384056"/>
+                              </a:solidFill>
+                              <a:latin typeface="Cambria Math" panose="02040503050406030204" pitchFamily="18" charset="0"/>
+                            </a:rPr>
+                            <m:t>𝑛</m:t>
+                          </m:r>
+                        </m:sub>
+                      </m:sSub>
+                      <m:r>
+                        <a:rPr kumimoji="1" lang="en-US" altLang="zh-CN" sz="1400" b="0" i="1" smtClean="0">
+                          <a:solidFill>
+                            <a:srgbClr val="384056"/>
+                          </a:solidFill>
+                          <a:latin typeface="Cambria Math" panose="02040503050406030204" pitchFamily="18" charset="0"/>
+                        </a:rPr>
+                        <m:t>(1−</m:t>
+                      </m:r>
+                      <m:sSub>
+                        <m:sSubPr>
+                          <m:ctrlPr>
+                            <a:rPr kumimoji="1" lang="en-US" altLang="zh-CN" sz="1400" i="1">
+                              <a:solidFill>
+                                <a:srgbClr val="384056"/>
+                              </a:solidFill>
+                              <a:latin typeface="Cambria Math" panose="02040503050406030204" pitchFamily="18" charset="0"/>
+                            </a:rPr>
+                          </m:ctrlPr>
+                        </m:sSubPr>
+                        <m:e>
+                          <m:r>
+                            <a:rPr kumimoji="1" lang="en-US" altLang="zh-CN" sz="1400" i="1">
+                              <a:solidFill>
+                                <a:srgbClr val="384056"/>
+                              </a:solidFill>
+                              <a:latin typeface="Cambria Math" panose="02040503050406030204" pitchFamily="18" charset="0"/>
+                            </a:rPr>
+                            <m:t>𝑙</m:t>
+                          </m:r>
+                        </m:e>
+                        <m:sub>
+                          <m:r>
+                            <a:rPr kumimoji="1" lang="en-US" altLang="zh-CN" sz="1400" i="1">
+                              <a:solidFill>
+                                <a:srgbClr val="384056"/>
+                              </a:solidFill>
+                              <a:latin typeface="Cambria Math" panose="02040503050406030204" pitchFamily="18" charset="0"/>
+                            </a:rPr>
+                            <m:t>1</m:t>
+                          </m:r>
+                        </m:sub>
+                      </m:sSub>
+                      <m:r>
+                        <a:rPr kumimoji="1" lang="en-US" altLang="zh-CN" sz="1400" b="0" i="1" smtClean="0">
+                          <a:solidFill>
+                            <a:srgbClr val="384056"/>
+                          </a:solidFill>
+                          <a:latin typeface="Cambria Math" panose="02040503050406030204" pitchFamily="18" charset="0"/>
+                        </a:rPr>
+                        <m:t>)</m:t>
+                      </m:r>
+                    </m:oMath>
+                  </m:oMathPara>
+                </a14:m>
+                <a:endParaRPr kumimoji="1" lang="en-US" altLang="zh-CN" sz="1400" dirty="0">
+                  <a:solidFill>
+                    <a:srgbClr val="384056"/>
+                  </a:solidFill>
+                </a:endParaRPr>
+              </a:p>
+              <a:p>
+                <a:pPr>
+                  <a:lnSpc>
+                    <a:spcPct val="150000"/>
+                  </a:lnSpc>
+                </a:pPr>
+                <a14:m>
+                  <m:oMathPara xmlns:m="http://schemas.openxmlformats.org/officeDocument/2006/math">
+                    <m:oMathParaPr>
+                      <m:jc m:val="left"/>
+                    </m:oMathParaPr>
+                    <m:oMath xmlns:m="http://schemas.openxmlformats.org/officeDocument/2006/math">
+                      <m:r>
+                        <a:rPr kumimoji="1" lang="en-US" altLang="zh-CN" sz="1400" b="0" i="1" smtClean="0">
+                          <a:solidFill>
+                            <a:srgbClr val="384056"/>
+                          </a:solidFill>
+                          <a:latin typeface="Cambria Math" panose="02040503050406030204" pitchFamily="18" charset="0"/>
+                        </a:rPr>
+                        <m:t>𝑓</m:t>
+                      </m:r>
+                      <m:d>
+                        <m:dPr>
+                          <m:ctrlPr>
+                            <a:rPr kumimoji="1" lang="en-US" altLang="zh-CN" sz="1400" b="0" i="1" smtClean="0">
+                              <a:solidFill>
+                                <a:srgbClr val="384056"/>
+                              </a:solidFill>
+                              <a:latin typeface="Cambria Math" panose="02040503050406030204" pitchFamily="18" charset="0"/>
+                            </a:rPr>
+                          </m:ctrlPr>
+                        </m:dPr>
+                        <m:e>
+                          <m:r>
+                            <a:rPr kumimoji="1" lang="en-US" altLang="zh-CN" sz="1400" b="0" i="1" smtClean="0">
+                              <a:solidFill>
+                                <a:srgbClr val="384056"/>
+                              </a:solidFill>
+                              <a:latin typeface="Cambria Math" panose="02040503050406030204" pitchFamily="18" charset="0"/>
+                            </a:rPr>
+                            <m:t>𝑥</m:t>
+                          </m:r>
+                        </m:e>
+                      </m:d>
+                      <m:r>
+                        <a:rPr kumimoji="1" lang="en-US" altLang="zh-CN" sz="1400" b="0" i="1" smtClean="0">
+                          <a:solidFill>
+                            <a:srgbClr val="384056"/>
+                          </a:solidFill>
+                          <a:latin typeface="Cambria Math" panose="02040503050406030204" pitchFamily="18" charset="0"/>
+                        </a:rPr>
+                        <m:t>=</m:t>
+                      </m:r>
+                      <m:sSub>
+                        <m:sSubPr>
+                          <m:ctrlPr>
+                            <a:rPr kumimoji="1" lang="en-US" altLang="zh-CN" sz="1400" i="1">
+                              <a:solidFill>
+                                <a:srgbClr val="384056"/>
+                              </a:solidFill>
+                              <a:latin typeface="Cambria Math" panose="02040503050406030204" pitchFamily="18" charset="0"/>
+                            </a:rPr>
+                          </m:ctrlPr>
+                        </m:sSubPr>
+                        <m:e>
+                          <m:r>
+                            <a:rPr kumimoji="1" lang="en-US" altLang="zh-CN" sz="1400" b="0" i="1" smtClean="0">
+                              <a:solidFill>
+                                <a:srgbClr val="384056"/>
+                              </a:solidFill>
+                              <a:latin typeface="Cambria Math" panose="02040503050406030204" pitchFamily="18" charset="0"/>
+                            </a:rPr>
+                            <m:t>𝑙</m:t>
+                          </m:r>
+                        </m:e>
+                        <m:sub>
+                          <m:r>
+                            <a:rPr kumimoji="1" lang="en-US" altLang="zh-CN" sz="1400" b="0" i="1" smtClean="0">
+                              <a:solidFill>
+                                <a:srgbClr val="384056"/>
+                              </a:solidFill>
+                              <a:latin typeface="Cambria Math" panose="02040503050406030204" pitchFamily="18" charset="0"/>
+                            </a:rPr>
+                            <m:t>4</m:t>
+                          </m:r>
+                        </m:sub>
+                      </m:sSub>
+                      <m:r>
+                        <a:rPr kumimoji="1" lang="en-US" altLang="zh-CN" sz="1400" b="0" i="1" smtClean="0">
+                          <a:solidFill>
+                            <a:srgbClr val="384056"/>
+                          </a:solidFill>
+                          <a:latin typeface="Cambria Math" panose="02040503050406030204" pitchFamily="18" charset="0"/>
+                        </a:rPr>
+                        <m:t>=64</m:t>
+                      </m:r>
+                      <m:r>
+                        <a:rPr kumimoji="1" lang="en-US" altLang="zh-CN" sz="1400" b="0" i="1" smtClean="0">
+                          <a:solidFill>
+                            <a:srgbClr val="384056"/>
+                          </a:solidFill>
+                          <a:latin typeface="Cambria Math" panose="02040503050406030204" pitchFamily="18" charset="0"/>
+                        </a:rPr>
+                        <m:t>𝑥</m:t>
+                      </m:r>
+                      <m:r>
+                        <a:rPr kumimoji="1" lang="en-US" altLang="zh-CN" sz="1400" b="0" i="1" smtClean="0">
+                          <a:solidFill>
+                            <a:srgbClr val="384056"/>
+                          </a:solidFill>
+                          <a:latin typeface="Cambria Math" panose="02040503050406030204" pitchFamily="18" charset="0"/>
+                        </a:rPr>
+                        <m:t>(1−</m:t>
+                      </m:r>
+                      <m:r>
+                        <a:rPr kumimoji="1" lang="en-US" altLang="zh-CN" sz="1400" b="0" i="1" smtClean="0">
+                          <a:solidFill>
+                            <a:srgbClr val="384056"/>
+                          </a:solidFill>
+                          <a:latin typeface="Cambria Math" panose="02040503050406030204" pitchFamily="18" charset="0"/>
+                        </a:rPr>
+                        <m:t>𝑥</m:t>
+                      </m:r>
+                      <m:r>
+                        <a:rPr kumimoji="1" lang="en-US" altLang="zh-CN" sz="1400" b="0" i="1" smtClean="0">
+                          <a:solidFill>
+                            <a:srgbClr val="384056"/>
+                          </a:solidFill>
+                          <a:latin typeface="Cambria Math" panose="02040503050406030204" pitchFamily="18" charset="0"/>
+                        </a:rPr>
+                        <m:t>)</m:t>
+                      </m:r>
+                      <m:sSup>
+                        <m:sSupPr>
+                          <m:ctrlPr>
+                            <a:rPr kumimoji="1" lang="en-US" altLang="zh-CN" sz="1400" b="0" i="1" smtClean="0">
+                              <a:solidFill>
+                                <a:srgbClr val="384056"/>
+                              </a:solidFill>
+                              <a:latin typeface="Cambria Math" panose="02040503050406030204" pitchFamily="18" charset="0"/>
+                            </a:rPr>
+                          </m:ctrlPr>
+                        </m:sSupPr>
+                        <m:e>
+                          <m:d>
+                            <m:dPr>
+                              <m:ctrlPr>
+                                <a:rPr kumimoji="1" lang="en-US" altLang="zh-CN" sz="1400" i="1">
+                                  <a:solidFill>
+                                    <a:srgbClr val="384056"/>
+                                  </a:solidFill>
+                                  <a:latin typeface="Cambria Math" panose="02040503050406030204" pitchFamily="18" charset="0"/>
+                                </a:rPr>
+                              </m:ctrlPr>
+                            </m:dPr>
+                            <m:e>
+                              <m:r>
+                                <a:rPr kumimoji="1" lang="en-US" altLang="zh-CN" sz="1400" i="1">
+                                  <a:solidFill>
+                                    <a:srgbClr val="384056"/>
+                                  </a:solidFill>
+                                  <a:latin typeface="Cambria Math" panose="02040503050406030204" pitchFamily="18" charset="0"/>
+                                </a:rPr>
+                                <m:t>1−2</m:t>
+                              </m:r>
+                              <m:r>
+                                <a:rPr kumimoji="1" lang="en-US" altLang="zh-CN" sz="1400" i="1">
+                                  <a:solidFill>
+                                    <a:srgbClr val="384056"/>
+                                  </a:solidFill>
+                                  <a:latin typeface="Cambria Math" panose="02040503050406030204" pitchFamily="18" charset="0"/>
+                                </a:rPr>
+                                <m:t>𝑥</m:t>
+                              </m:r>
+                            </m:e>
+                          </m:d>
+                        </m:e>
+                        <m:sup>
+                          <m:r>
+                            <a:rPr kumimoji="1" lang="en-US" altLang="zh-CN" sz="1400" b="0" i="1" smtClean="0">
+                              <a:solidFill>
+                                <a:srgbClr val="384056"/>
+                              </a:solidFill>
+                              <a:latin typeface="Cambria Math" panose="02040503050406030204" pitchFamily="18" charset="0"/>
+                            </a:rPr>
+                            <m:t>2</m:t>
+                          </m:r>
+                        </m:sup>
+                      </m:sSup>
+                      <m:sSup>
+                        <m:sSupPr>
+                          <m:ctrlPr>
+                            <a:rPr kumimoji="1" lang="en-US" altLang="zh-CN" sz="1400" b="0" i="1" smtClean="0">
+                              <a:solidFill>
+                                <a:srgbClr val="384056"/>
+                              </a:solidFill>
+                              <a:latin typeface="Cambria Math" panose="02040503050406030204" pitchFamily="18" charset="0"/>
+                            </a:rPr>
+                          </m:ctrlPr>
+                        </m:sSupPr>
+                        <m:e>
+                          <m:r>
+                            <a:rPr kumimoji="1" lang="en-US" altLang="zh-CN" sz="1400" i="1">
+                              <a:solidFill>
+                                <a:srgbClr val="384056"/>
+                              </a:solidFill>
+                              <a:latin typeface="Cambria Math" panose="02040503050406030204" pitchFamily="18" charset="0"/>
+                            </a:rPr>
+                            <m:t>(1−8</m:t>
+                          </m:r>
+                          <m:r>
+                            <a:rPr kumimoji="1" lang="en-US" altLang="zh-CN" sz="1400" i="1">
+                              <a:solidFill>
+                                <a:srgbClr val="384056"/>
+                              </a:solidFill>
+                              <a:latin typeface="Cambria Math" panose="02040503050406030204" pitchFamily="18" charset="0"/>
+                            </a:rPr>
+                            <m:t>𝑥</m:t>
+                          </m:r>
+                          <m:r>
+                            <a:rPr kumimoji="1" lang="en-US" altLang="zh-CN" sz="1400" i="1">
+                              <a:solidFill>
+                                <a:srgbClr val="384056"/>
+                              </a:solidFill>
+                              <a:latin typeface="Cambria Math" panose="02040503050406030204" pitchFamily="18" charset="0"/>
+                            </a:rPr>
+                            <m:t>+8</m:t>
+                          </m:r>
+                          <m:sSup>
+                            <m:sSupPr>
+                              <m:ctrlPr>
+                                <a:rPr kumimoji="1" lang="en-US" altLang="zh-CN" sz="1400" i="1">
+                                  <a:solidFill>
+                                    <a:srgbClr val="384056"/>
+                                  </a:solidFill>
+                                  <a:latin typeface="Cambria Math" panose="02040503050406030204" pitchFamily="18" charset="0"/>
+                                </a:rPr>
+                              </m:ctrlPr>
+                            </m:sSupPr>
+                            <m:e>
+                              <m:r>
+                                <a:rPr kumimoji="1" lang="en-US" altLang="zh-CN" sz="1400" i="1">
+                                  <a:solidFill>
+                                    <a:srgbClr val="384056"/>
+                                  </a:solidFill>
+                                  <a:latin typeface="Cambria Math" panose="02040503050406030204" pitchFamily="18" charset="0"/>
+                                </a:rPr>
+                                <m:t>𝑥</m:t>
+                              </m:r>
+                            </m:e>
+                            <m:sup>
+                              <m:r>
+                                <a:rPr kumimoji="1" lang="en-US" altLang="zh-CN" sz="1400" i="1">
+                                  <a:solidFill>
+                                    <a:srgbClr val="384056"/>
+                                  </a:solidFill>
+                                  <a:latin typeface="Cambria Math" panose="02040503050406030204" pitchFamily="18" charset="0"/>
+                                </a:rPr>
+                                <m:t>2</m:t>
+                              </m:r>
+                            </m:sup>
+                          </m:sSup>
+                          <m:r>
+                            <a:rPr kumimoji="1" lang="en-US" altLang="zh-CN" sz="1400" i="1">
+                              <a:solidFill>
+                                <a:srgbClr val="384056"/>
+                              </a:solidFill>
+                              <a:latin typeface="Cambria Math" panose="02040503050406030204" pitchFamily="18" charset="0"/>
+                            </a:rPr>
+                            <m:t>)</m:t>
+                          </m:r>
+                        </m:e>
+                        <m:sup>
+                          <m:r>
+                            <a:rPr kumimoji="1" lang="en-US" altLang="zh-CN" sz="1400" b="0" i="1" smtClean="0">
+                              <a:solidFill>
+                                <a:srgbClr val="384056"/>
+                              </a:solidFill>
+                              <a:latin typeface="Cambria Math" panose="02040503050406030204" pitchFamily="18" charset="0"/>
+                            </a:rPr>
+                            <m:t>2</m:t>
+                          </m:r>
+                        </m:sup>
+                      </m:sSup>
+                    </m:oMath>
+                  </m:oMathPara>
+                </a14:m>
+                <a:endParaRPr kumimoji="1" lang="en-US" altLang="zh-CN" sz="1400" dirty="0">
+                  <a:solidFill>
+                    <a:srgbClr val="384056"/>
+                  </a:solidFill>
+                </a:endParaRPr>
+              </a:p>
+            </p:txBody>
+          </p:sp>
+        </mc:Choice>
+        <mc:Fallback>
+          <p:sp>
+            <p:nvSpPr>
+              <p:cNvPr id="14" name="文本框 13">
+                <a:extLst>
+                  <a:ext uri="{FF2B5EF4-FFF2-40B4-BE49-F238E27FC236}">
+                    <a16:creationId xmlns:a16="http://schemas.microsoft.com/office/drawing/2014/main" id="{9CBAF653-106B-584F-9544-E4D3D5B8BABB}"/>
+                  </a:ext>
+                </a:extLst>
+              </p:cNvPr>
+              <p:cNvSpPr txBox="1">
+                <a:spLocks noRot="1" noChangeAspect="1" noMove="1" noResize="1" noEditPoints="1" noAdjustHandles="1" noChangeArrowheads="1" noChangeShapeType="1" noTextEdit="1"/>
+              </p:cNvSpPr>
+              <p:nvPr/>
+            </p:nvSpPr>
+            <p:spPr>
+              <a:xfrm>
+                <a:off x="810073" y="1969489"/>
+                <a:ext cx="4178601" cy="1188000"/>
+              </a:xfrm>
+              <a:prstGeom prst="rect">
+                <a:avLst/>
+              </a:prstGeom>
+              <a:blipFill>
+                <a:blip r:embed="rId3"/>
+                <a:stretch>
+                  <a:fillRect/>
+                </a:stretch>
+              </a:blipFill>
+            </p:spPr>
+            <p:txBody>
+              <a:bodyPr/>
+              <a:lstStyle/>
+              <a:p>
+                <a:r>
+                  <a:rPr lang="zh-CN" altLang="en-US">
+                    <a:noFill/>
+                  </a:rPr>
+                  <a:t> </a:t>
+                </a:r>
+              </a:p>
+            </p:txBody>
+          </p:sp>
+        </mc:Fallback>
+      </mc:AlternateContent>
+      <p:sp>
+        <p:nvSpPr>
+          <p:cNvPr id="15" name="矩形 14">
+            <a:extLst>
+              <a:ext uri="{FF2B5EF4-FFF2-40B4-BE49-F238E27FC236}">
+                <a16:creationId xmlns:a16="http://schemas.microsoft.com/office/drawing/2014/main" id="{0755FE27-AB34-3843-A188-831DFF92C6BD}"/>
+              </a:ext>
+            </a:extLst>
+          </p:cNvPr>
+          <p:cNvSpPr/>
+          <p:nvPr/>
+        </p:nvSpPr>
+        <p:spPr>
+          <a:xfrm>
+            <a:off x="6141152" y="1969489"/>
+            <a:ext cx="5256234" cy="1169551"/>
+          </a:xfrm>
+          <a:prstGeom prst="rect">
+            <a:avLst/>
+          </a:prstGeom>
+          <a:solidFill>
+            <a:schemeClr val="accent6">
+              <a:lumMod val="20000"/>
+              <a:lumOff val="80000"/>
+            </a:schemeClr>
+          </a:solidFill>
+          <a:ln>
+            <a:noFill/>
+          </a:ln>
+        </p:spPr>
+        <p:txBody>
+          <a:bodyPr wrap="square">
+            <a:spAutoFit/>
+          </a:bodyPr>
+          <a:lstStyle/>
+          <a:p>
+            <a:pPr>
+              <a:buNone/>
+            </a:pPr>
+            <a:r>
+              <a:rPr kumimoji="1" lang="en-US" altLang="zh-CN" sz="1400" dirty="0">
+                <a:solidFill>
+                  <a:srgbClr val="384056"/>
+                </a:solidFill>
+                <a:latin typeface="Consolas" panose="020B0609020204030204" pitchFamily="49" charset="0"/>
+                <a:cs typeface="Consolas" panose="020B0609020204030204" pitchFamily="49" charset="0"/>
+              </a:rPr>
+              <a:t>f(x):</a:t>
+            </a:r>
+          </a:p>
+          <a:p>
+            <a:pPr>
+              <a:buNone/>
+            </a:pPr>
+            <a:r>
+              <a:rPr kumimoji="1" lang="zh-CN" altLang="en-US" sz="1400" dirty="0">
+                <a:solidFill>
+                  <a:srgbClr val="384056"/>
+                </a:solidFill>
+                <a:latin typeface="Consolas" panose="020B0609020204030204" pitchFamily="49" charset="0"/>
+                <a:cs typeface="Consolas" panose="020B0609020204030204" pitchFamily="49" charset="0"/>
+              </a:rPr>
+              <a:t>    </a:t>
+            </a:r>
+            <a:r>
+              <a:rPr kumimoji="1" lang="en-US" altLang="zh-CN" sz="1400" dirty="0">
+                <a:solidFill>
+                  <a:srgbClr val="384056"/>
+                </a:solidFill>
+                <a:latin typeface="Consolas" panose="020B0609020204030204" pitchFamily="49" charset="0"/>
+                <a:cs typeface="Consolas" panose="020B0609020204030204" pitchFamily="49" charset="0"/>
+              </a:rPr>
+              <a:t>v</a:t>
+            </a:r>
+            <a:r>
+              <a:rPr kumimoji="1" lang="zh-CN" altLang="en-US" sz="1400" dirty="0">
+                <a:solidFill>
+                  <a:srgbClr val="384056"/>
+                </a:solidFill>
+                <a:latin typeface="Consolas" panose="020B0609020204030204" pitchFamily="49" charset="0"/>
+                <a:cs typeface="Consolas" panose="020B0609020204030204" pitchFamily="49" charset="0"/>
+              </a:rPr>
+              <a:t> </a:t>
+            </a:r>
+            <a:r>
+              <a:rPr kumimoji="1" lang="en-US" altLang="zh-CN" sz="1400" dirty="0">
+                <a:solidFill>
+                  <a:srgbClr val="384056"/>
+                </a:solidFill>
+                <a:latin typeface="Consolas" panose="020B0609020204030204" pitchFamily="49" charset="0"/>
+                <a:cs typeface="Consolas" panose="020B0609020204030204" pitchFamily="49" charset="0"/>
+              </a:rPr>
+              <a:t>=</a:t>
+            </a:r>
+            <a:r>
+              <a:rPr kumimoji="1" lang="zh-CN" altLang="en-US" sz="1400" dirty="0">
+                <a:solidFill>
+                  <a:srgbClr val="384056"/>
+                </a:solidFill>
+                <a:latin typeface="Consolas" panose="020B0609020204030204" pitchFamily="49" charset="0"/>
+                <a:cs typeface="Consolas" panose="020B0609020204030204" pitchFamily="49" charset="0"/>
+              </a:rPr>
+              <a:t> </a:t>
+            </a:r>
+            <a:r>
+              <a:rPr kumimoji="1" lang="en-US" altLang="zh-CN" sz="1400" dirty="0">
+                <a:solidFill>
+                  <a:srgbClr val="384056"/>
+                </a:solidFill>
+                <a:latin typeface="Consolas" panose="020B0609020204030204" pitchFamily="49" charset="0"/>
+                <a:cs typeface="Consolas" panose="020B0609020204030204" pitchFamily="49" charset="0"/>
+              </a:rPr>
+              <a:t>x</a:t>
+            </a:r>
+          </a:p>
+          <a:p>
+            <a:pPr>
+              <a:buNone/>
+            </a:pPr>
+            <a:r>
+              <a:rPr kumimoji="1" lang="zh-CN" altLang="en-US" sz="1400" dirty="0">
+                <a:solidFill>
+                  <a:srgbClr val="384056"/>
+                </a:solidFill>
+                <a:latin typeface="Consolas" panose="020B0609020204030204" pitchFamily="49" charset="0"/>
+                <a:cs typeface="Consolas" panose="020B0609020204030204" pitchFamily="49" charset="0"/>
+              </a:rPr>
+              <a:t>    </a:t>
+            </a:r>
+            <a:r>
+              <a:rPr kumimoji="1" lang="en-US" altLang="zh-CN" sz="1400" dirty="0">
+                <a:solidFill>
+                  <a:srgbClr val="384056"/>
+                </a:solidFill>
+                <a:latin typeface="Consolas" panose="020B0609020204030204" pitchFamily="49" charset="0"/>
+                <a:cs typeface="Consolas" panose="020B0609020204030204" pitchFamily="49" charset="0"/>
+              </a:rPr>
+              <a:t>for</a:t>
+            </a:r>
+            <a:r>
+              <a:rPr kumimoji="1" lang="zh-CN" altLang="en-US" sz="1400" dirty="0">
+                <a:solidFill>
+                  <a:srgbClr val="384056"/>
+                </a:solidFill>
+                <a:latin typeface="Consolas" panose="020B0609020204030204" pitchFamily="49" charset="0"/>
+                <a:cs typeface="Consolas" panose="020B0609020204030204" pitchFamily="49" charset="0"/>
+              </a:rPr>
+              <a:t> </a:t>
+            </a:r>
+            <a:r>
+              <a:rPr kumimoji="1" lang="en-US" altLang="zh-CN" sz="1400" dirty="0">
+                <a:solidFill>
+                  <a:srgbClr val="384056"/>
+                </a:solidFill>
+                <a:latin typeface="Consolas" panose="020B0609020204030204" pitchFamily="49" charset="0"/>
+                <a:cs typeface="Consolas" panose="020B0609020204030204" pitchFamily="49" charset="0"/>
+              </a:rPr>
+              <a:t>i</a:t>
+            </a:r>
+            <a:r>
+              <a:rPr kumimoji="1" lang="zh-CN" altLang="en-US" sz="1400" dirty="0">
+                <a:solidFill>
+                  <a:srgbClr val="384056"/>
+                </a:solidFill>
+                <a:latin typeface="Consolas" panose="020B0609020204030204" pitchFamily="49" charset="0"/>
+                <a:cs typeface="Consolas" panose="020B0609020204030204" pitchFamily="49" charset="0"/>
+              </a:rPr>
+              <a:t> </a:t>
+            </a:r>
+            <a:r>
+              <a:rPr kumimoji="1" lang="en-US" altLang="zh-CN" sz="1400" dirty="0">
+                <a:solidFill>
+                  <a:srgbClr val="384056"/>
+                </a:solidFill>
+                <a:latin typeface="Consolas" panose="020B0609020204030204" pitchFamily="49" charset="0"/>
+                <a:cs typeface="Consolas" panose="020B0609020204030204" pitchFamily="49" charset="0"/>
+              </a:rPr>
+              <a:t>=</a:t>
+            </a:r>
+            <a:r>
+              <a:rPr kumimoji="1" lang="zh-CN" altLang="en-US" sz="1400" dirty="0">
+                <a:solidFill>
+                  <a:srgbClr val="384056"/>
+                </a:solidFill>
+                <a:latin typeface="Consolas" panose="020B0609020204030204" pitchFamily="49" charset="0"/>
+                <a:cs typeface="Consolas" panose="020B0609020204030204" pitchFamily="49" charset="0"/>
+              </a:rPr>
+              <a:t> </a:t>
+            </a:r>
+            <a:r>
+              <a:rPr kumimoji="1" lang="en-US" altLang="zh-CN" sz="1400" dirty="0">
+                <a:solidFill>
+                  <a:srgbClr val="384056"/>
+                </a:solidFill>
+                <a:latin typeface="Consolas" panose="020B0609020204030204" pitchFamily="49" charset="0"/>
+                <a:cs typeface="Consolas" panose="020B0609020204030204" pitchFamily="49" charset="0"/>
+              </a:rPr>
+              <a:t>1</a:t>
+            </a:r>
+            <a:r>
+              <a:rPr kumimoji="1" lang="zh-CN" altLang="en-US" sz="1400" dirty="0">
+                <a:solidFill>
+                  <a:srgbClr val="384056"/>
+                </a:solidFill>
+                <a:latin typeface="Consolas" panose="020B0609020204030204" pitchFamily="49" charset="0"/>
+                <a:cs typeface="Consolas" panose="020B0609020204030204" pitchFamily="49" charset="0"/>
+              </a:rPr>
+              <a:t> </a:t>
+            </a:r>
+            <a:r>
+              <a:rPr kumimoji="1" lang="en-US" altLang="zh-CN" sz="1400" dirty="0">
+                <a:solidFill>
+                  <a:srgbClr val="384056"/>
+                </a:solidFill>
+                <a:latin typeface="Consolas" panose="020B0609020204030204" pitchFamily="49" charset="0"/>
+                <a:cs typeface="Consolas" panose="020B0609020204030204" pitchFamily="49" charset="0"/>
+              </a:rPr>
+              <a:t>to</a:t>
+            </a:r>
+            <a:r>
+              <a:rPr kumimoji="1" lang="zh-CN" altLang="en-US" sz="1400" dirty="0">
+                <a:solidFill>
+                  <a:srgbClr val="384056"/>
+                </a:solidFill>
+                <a:latin typeface="Consolas" panose="020B0609020204030204" pitchFamily="49" charset="0"/>
+                <a:cs typeface="Consolas" panose="020B0609020204030204" pitchFamily="49" charset="0"/>
+              </a:rPr>
+              <a:t> </a:t>
+            </a:r>
+            <a:r>
+              <a:rPr kumimoji="1" lang="en-US" altLang="zh-CN" sz="1400" dirty="0">
+                <a:solidFill>
+                  <a:srgbClr val="384056"/>
+                </a:solidFill>
+                <a:latin typeface="Consolas" panose="020B0609020204030204" pitchFamily="49" charset="0"/>
+                <a:cs typeface="Consolas" panose="020B0609020204030204" pitchFamily="49" charset="0"/>
+              </a:rPr>
+              <a:t>3:</a:t>
+            </a:r>
+          </a:p>
+          <a:p>
+            <a:pPr>
+              <a:buNone/>
+            </a:pPr>
+            <a:r>
+              <a:rPr kumimoji="1" lang="zh-CN" altLang="en-US" sz="1400" dirty="0">
+                <a:solidFill>
+                  <a:srgbClr val="384056"/>
+                </a:solidFill>
+                <a:latin typeface="Consolas" panose="020B0609020204030204" pitchFamily="49" charset="0"/>
+                <a:cs typeface="Consolas" panose="020B0609020204030204" pitchFamily="49" charset="0"/>
+              </a:rPr>
+              <a:t>        </a:t>
+            </a:r>
+            <a:r>
+              <a:rPr kumimoji="1" lang="en-US" altLang="zh-CN" sz="1400" dirty="0">
+                <a:solidFill>
+                  <a:srgbClr val="384056"/>
+                </a:solidFill>
+                <a:latin typeface="Consolas" panose="020B0609020204030204" pitchFamily="49" charset="0"/>
+                <a:cs typeface="Consolas" panose="020B0609020204030204" pitchFamily="49" charset="0"/>
+              </a:rPr>
+              <a:t>v</a:t>
+            </a:r>
+            <a:r>
+              <a:rPr kumimoji="1" lang="zh-CN" altLang="en-US" sz="1400" dirty="0">
+                <a:solidFill>
+                  <a:srgbClr val="384056"/>
+                </a:solidFill>
+                <a:latin typeface="Consolas" panose="020B0609020204030204" pitchFamily="49" charset="0"/>
+                <a:cs typeface="Consolas" panose="020B0609020204030204" pitchFamily="49" charset="0"/>
+              </a:rPr>
+              <a:t> </a:t>
+            </a:r>
+            <a:r>
+              <a:rPr kumimoji="1" lang="en-US" altLang="zh-CN" sz="1400" dirty="0">
+                <a:solidFill>
+                  <a:srgbClr val="384056"/>
+                </a:solidFill>
+                <a:latin typeface="Consolas" panose="020B0609020204030204" pitchFamily="49" charset="0"/>
+                <a:cs typeface="Consolas" panose="020B0609020204030204" pitchFamily="49" charset="0"/>
+              </a:rPr>
+              <a:t>=</a:t>
+            </a:r>
+            <a:r>
+              <a:rPr kumimoji="1" lang="zh-CN" altLang="en-US" sz="1400" dirty="0">
+                <a:solidFill>
+                  <a:srgbClr val="384056"/>
+                </a:solidFill>
+                <a:latin typeface="Consolas" panose="020B0609020204030204" pitchFamily="49" charset="0"/>
+                <a:cs typeface="Consolas" panose="020B0609020204030204" pitchFamily="49" charset="0"/>
+              </a:rPr>
+              <a:t> </a:t>
+            </a:r>
+            <a:r>
+              <a:rPr kumimoji="1" lang="en-US" altLang="zh-CN" sz="1400" dirty="0">
+                <a:solidFill>
+                  <a:srgbClr val="384056"/>
+                </a:solidFill>
+                <a:latin typeface="Consolas" panose="020B0609020204030204" pitchFamily="49" charset="0"/>
+                <a:cs typeface="Consolas" panose="020B0609020204030204" pitchFamily="49" charset="0"/>
+              </a:rPr>
+              <a:t>4</a:t>
+            </a:r>
+            <a:r>
+              <a:rPr kumimoji="1" lang="zh-CN" altLang="en-US" sz="1400" dirty="0">
+                <a:solidFill>
+                  <a:srgbClr val="384056"/>
+                </a:solidFill>
+                <a:latin typeface="Consolas" panose="020B0609020204030204" pitchFamily="49" charset="0"/>
+                <a:cs typeface="Consolas" panose="020B0609020204030204" pitchFamily="49" charset="0"/>
+              </a:rPr>
+              <a:t> * </a:t>
+            </a:r>
+            <a:r>
+              <a:rPr kumimoji="1" lang="en-US" altLang="zh-CN" sz="1400" dirty="0">
+                <a:solidFill>
+                  <a:srgbClr val="384056"/>
+                </a:solidFill>
+                <a:latin typeface="Consolas" panose="020B0609020204030204" pitchFamily="49" charset="0"/>
+                <a:cs typeface="Consolas" panose="020B0609020204030204" pitchFamily="49" charset="0"/>
+              </a:rPr>
+              <a:t>v</a:t>
+            </a:r>
+            <a:r>
+              <a:rPr kumimoji="1" lang="zh-CN" altLang="en-US" sz="1400" dirty="0">
+                <a:solidFill>
+                  <a:srgbClr val="384056"/>
+                </a:solidFill>
+                <a:latin typeface="Consolas" panose="020B0609020204030204" pitchFamily="49" charset="0"/>
+                <a:cs typeface="Consolas" panose="020B0609020204030204" pitchFamily="49" charset="0"/>
+              </a:rPr>
+              <a:t> * </a:t>
+            </a:r>
+            <a:r>
+              <a:rPr kumimoji="1" lang="en-US" altLang="zh-CN" sz="1400" dirty="0">
+                <a:solidFill>
+                  <a:srgbClr val="384056"/>
+                </a:solidFill>
+                <a:latin typeface="Consolas" panose="020B0609020204030204" pitchFamily="49" charset="0"/>
+                <a:cs typeface="Consolas" panose="020B0609020204030204" pitchFamily="49" charset="0"/>
+              </a:rPr>
+              <a:t>(1</a:t>
+            </a:r>
+            <a:r>
+              <a:rPr kumimoji="1" lang="zh-CN" altLang="en-US" sz="1400" dirty="0">
+                <a:solidFill>
+                  <a:srgbClr val="384056"/>
+                </a:solidFill>
+                <a:latin typeface="Consolas" panose="020B0609020204030204" pitchFamily="49" charset="0"/>
+                <a:cs typeface="Consolas" panose="020B0609020204030204" pitchFamily="49" charset="0"/>
+              </a:rPr>
+              <a:t> </a:t>
+            </a:r>
+            <a:r>
+              <a:rPr kumimoji="1" lang="en-US" altLang="zh-CN" sz="1400" dirty="0">
+                <a:solidFill>
+                  <a:srgbClr val="384056"/>
+                </a:solidFill>
+                <a:latin typeface="Consolas" panose="020B0609020204030204" pitchFamily="49" charset="0"/>
+                <a:cs typeface="Consolas" panose="020B0609020204030204" pitchFamily="49" charset="0"/>
+              </a:rPr>
+              <a:t>-</a:t>
+            </a:r>
+            <a:r>
+              <a:rPr kumimoji="1" lang="zh-CN" altLang="en-US" sz="1400" dirty="0">
+                <a:solidFill>
+                  <a:srgbClr val="384056"/>
+                </a:solidFill>
+                <a:latin typeface="Consolas" panose="020B0609020204030204" pitchFamily="49" charset="0"/>
+                <a:cs typeface="Consolas" panose="020B0609020204030204" pitchFamily="49" charset="0"/>
+              </a:rPr>
+              <a:t> </a:t>
+            </a:r>
+            <a:r>
+              <a:rPr kumimoji="1" lang="en-US" altLang="zh-CN" sz="1400" dirty="0">
+                <a:solidFill>
+                  <a:srgbClr val="384056"/>
+                </a:solidFill>
+                <a:latin typeface="Consolas" panose="020B0609020204030204" pitchFamily="49" charset="0"/>
+                <a:cs typeface="Consolas" panose="020B0609020204030204" pitchFamily="49" charset="0"/>
+              </a:rPr>
+              <a:t>v)</a:t>
+            </a:r>
+          </a:p>
+          <a:p>
+            <a:pPr>
+              <a:buNone/>
+            </a:pPr>
+            <a:r>
+              <a:rPr kumimoji="1" lang="zh-CN" altLang="en-US" sz="1400" dirty="0">
+                <a:solidFill>
+                  <a:srgbClr val="384056"/>
+                </a:solidFill>
+                <a:latin typeface="Consolas" panose="020B0609020204030204" pitchFamily="49" charset="0"/>
+                <a:cs typeface="Consolas" panose="020B0609020204030204" pitchFamily="49" charset="0"/>
+              </a:rPr>
+              <a:t>    </a:t>
+            </a:r>
+            <a:r>
+              <a:rPr kumimoji="1" lang="en-US" altLang="zh-CN" sz="1400" dirty="0">
+                <a:solidFill>
+                  <a:srgbClr val="384056"/>
+                </a:solidFill>
+                <a:latin typeface="Consolas" panose="020B0609020204030204" pitchFamily="49" charset="0"/>
+                <a:cs typeface="Consolas" panose="020B0609020204030204" pitchFamily="49" charset="0"/>
+              </a:rPr>
+              <a:t>return</a:t>
+            </a:r>
+            <a:r>
+              <a:rPr kumimoji="1" lang="zh-CN" altLang="en-US" sz="1400" dirty="0">
+                <a:solidFill>
+                  <a:srgbClr val="384056"/>
+                </a:solidFill>
+                <a:latin typeface="Consolas" panose="020B0609020204030204" pitchFamily="49" charset="0"/>
+                <a:cs typeface="Consolas" panose="020B0609020204030204" pitchFamily="49" charset="0"/>
+              </a:rPr>
+              <a:t> </a:t>
+            </a:r>
+            <a:r>
+              <a:rPr kumimoji="1" lang="en-US" altLang="zh-CN" sz="1400" dirty="0">
+                <a:solidFill>
+                  <a:srgbClr val="384056"/>
+                </a:solidFill>
+                <a:latin typeface="Consolas" panose="020B0609020204030204" pitchFamily="49" charset="0"/>
+                <a:cs typeface="Consolas" panose="020B0609020204030204" pitchFamily="49" charset="0"/>
+              </a:rPr>
+              <a:t>v</a:t>
+            </a:r>
+          </a:p>
+        </p:txBody>
+      </p:sp>
+      <p:pic>
+        <p:nvPicPr>
+          <p:cNvPr id="17" name="图片 16">
+            <a:extLst>
+              <a:ext uri="{FF2B5EF4-FFF2-40B4-BE49-F238E27FC236}">
+                <a16:creationId xmlns:a16="http://schemas.microsoft.com/office/drawing/2014/main" id="{15B8D96A-87DA-584D-95CC-C09D6C4C132D}"/>
+              </a:ext>
+            </a:extLst>
+          </p:cNvPr>
+          <p:cNvPicPr>
+            <a:picLocks noChangeAspect="1"/>
+          </p:cNvPicPr>
+          <p:nvPr/>
+        </p:nvPicPr>
+        <p:blipFill>
+          <a:blip r:embed="rId4"/>
+          <a:stretch>
+            <a:fillRect/>
+          </a:stretch>
+        </p:blipFill>
+        <p:spPr>
+          <a:xfrm rot="16200000">
+            <a:off x="5571604" y="2279039"/>
             <a:ext cx="143347" cy="604104"/>
           </a:xfrm>
           <a:prstGeom prst="rect">
@@ -18554,7 +20245,7 @@
         </p:nvSpPr>
         <p:spPr>
           <a:xfrm>
-            <a:off x="665256" y="3284984"/>
+            <a:off x="623169" y="4127736"/>
             <a:ext cx="1723549" cy="400110"/>
           </a:xfrm>
           <a:prstGeom prst="rect">
@@ -18588,8 +20279,8 @@
           </a:p>
         </p:txBody>
       </p:sp>
-      <mc:AlternateContent xmlns:mc="http://schemas.openxmlformats.org/markup-compatibility/2006" xmlns:a14="http://schemas.microsoft.com/office/drawing/2010/main">
-        <mc:Choice Requires="a14">
+      <mc:AlternateContent xmlns:mc="http://schemas.openxmlformats.org/markup-compatibility/2006">
+        <mc:Choice xmlns:a14="http://schemas.microsoft.com/office/drawing/2010/main" Requires="a14">
           <p:sp>
             <p:nvSpPr>
               <p:cNvPr id="19" name="文本框 18">
@@ -18604,7 +20295,7 @@
             </p:nvSpPr>
             <p:spPr>
               <a:xfrm>
-                <a:off x="832133" y="3812124"/>
+                <a:off x="790046" y="4654876"/>
                 <a:ext cx="4178601" cy="1061829"/>
               </a:xfrm>
               <a:prstGeom prst="rect">
@@ -19148,7 +20839,7 @@
             </p:txBody>
           </p:sp>
         </mc:Choice>
-        <mc:Fallback xmlns="">
+        <mc:Fallback>
           <p:sp>
             <p:nvSpPr>
               <p:cNvPr id="19" name="文本框 18">
@@ -19165,7 +20856,7 @@
             </p:nvSpPr>
             <p:spPr>
               <a:xfrm>
-                <a:off x="832133" y="3812124"/>
+                <a:off x="790046" y="4654876"/>
                 <a:ext cx="4178601" cy="1061829"/>
               </a:xfrm>
               <a:prstGeom prst="rect">
@@ -19207,7 +20898,7 @@
         </p:nvSpPr>
         <p:spPr>
           <a:xfrm>
-            <a:off x="6187471" y="3789040"/>
+            <a:off x="6145384" y="4631792"/>
             <a:ext cx="5311510" cy="1107996"/>
           </a:xfrm>
           <a:prstGeom prst="rect">
@@ -19649,7 +21340,7 @@
         </p:blipFill>
         <p:spPr>
           <a:xfrm rot="16200000">
-            <a:off x="5608680" y="4046264"/>
+            <a:off x="5566593" y="4889016"/>
             <a:ext cx="143347" cy="604104"/>
           </a:xfrm>
           <a:prstGeom prst="rect">
@@ -19657,10 +21348,50 @@
           </a:prstGeom>
         </p:spPr>
       </p:pic>
+      <p:sp>
+        <p:nvSpPr>
+          <p:cNvPr id="4" name="矩形 3">
+            <a:extLst>
+              <a:ext uri="{FF2B5EF4-FFF2-40B4-BE49-F238E27FC236}">
+                <a16:creationId xmlns:a16="http://schemas.microsoft.com/office/drawing/2014/main" id="{D10EF787-FEB3-E846-AE08-10C618892456}"/>
+              </a:ext>
+            </a:extLst>
+          </p:cNvPr>
+          <p:cNvSpPr/>
+          <p:nvPr/>
+        </p:nvSpPr>
+        <p:spPr>
+          <a:xfrm>
+            <a:off x="2139633" y="3275692"/>
+            <a:ext cx="7601372" cy="369332"/>
+          </a:xfrm>
+          <a:prstGeom prst="rect">
+            <a:avLst/>
+          </a:prstGeom>
+        </p:spPr>
+        <p:txBody>
+          <a:bodyPr wrap="square">
+            <a:spAutoFit/>
+          </a:bodyPr>
+          <a:lstStyle/>
+          <a:p>
+            <a:r>
+              <a:rPr lang="zh-CN" altLang="en-US" dirty="0">
+                <a:solidFill>
+                  <a:srgbClr val="34393C"/>
+                </a:solidFill>
+                <a:latin typeface="+mj-ea"/>
+                <a:ea typeface="+mj-ea"/>
+              </a:rPr>
+              <a:t>识别程序表达中用于计算控制流的运算部分，并将其排除在微分过程外</a:t>
+            </a:r>
+          </a:p>
+        </p:txBody>
+      </p:sp>
     </p:spTree>
     <p:extLst>
       <p:ext uri="{BB962C8B-B14F-4D97-AF65-F5344CB8AC3E}">
-        <p14:creationId xmlns:p14="http://schemas.microsoft.com/office/powerpoint/2010/main" val="4115932516"/>
+        <p14:creationId xmlns:p14="http://schemas.microsoft.com/office/powerpoint/2010/main" val="5623711"/>
       </p:ext>
     </p:extLst>
   </p:cSld>
@@ -19670,7 +21401,7 @@
 </p:sld>
 </file>
 
-<file path=ppt/slides/slide4.xml><?xml version="1.0" encoding="utf-8"?>
+<file path=ppt/slides/slide5.xml><?xml version="1.0" encoding="utf-8"?>
 <p:sld xmlns:a="http://schemas.openxmlformats.org/drawingml/2006/main" xmlns:r="http://schemas.openxmlformats.org/officeDocument/2006/relationships" xmlns:p="http://schemas.openxmlformats.org/presentationml/2006/main">
   <p:cSld>
     <p:spTree>
@@ -19753,6 +21484,14 @@
             <a:r>
               <a:rPr lang="en-US" altLang="zh-CN" dirty="0"/>
               <a:t>Ease of use</a:t>
+            </a:r>
+            <a:r>
+              <a:rPr lang="zh-CN" altLang="en-US" dirty="0"/>
+              <a:t> </a:t>
+            </a:r>
+            <a:r>
+              <a:rPr lang="en-US" altLang="zh-CN" dirty="0"/>
+              <a:t>(II)</a:t>
             </a:r>
             <a:endParaRPr lang="zh-CN" altLang="en-US" dirty="0">
               <a:latin typeface="+mj-ea"/>
@@ -19824,7 +21563,7 @@
         <p:spPr>
           <a:xfrm>
             <a:off x="811291" y="1916832"/>
-            <a:ext cx="3336170" cy="369332"/>
+            <a:ext cx="4721164" cy="369332"/>
           </a:xfrm>
           <a:prstGeom prst="rect">
             <a:avLst/>
@@ -19858,7 +21597,27 @@
                 <a:latin typeface="+mj-ea"/>
                 <a:ea typeface="+mj-ea"/>
               </a:rPr>
-              <a:t>IO </a:t>
+              <a:t>IO</a:t>
+            </a:r>
+            <a:r>
+              <a:rPr lang="zh-CN" altLang="en-US" dirty="0">
+                <a:solidFill>
+                  <a:srgbClr val="34393C"/>
+                </a:solidFill>
+                <a:latin typeface="+mj-ea"/>
+                <a:ea typeface="+mj-ea"/>
+              </a:rPr>
+              <a:t>处理、继承等</a:t>
+            </a:r>
+            <a:r>
+              <a:rPr lang="en-US" altLang="zh-CN" dirty="0">
+                <a:solidFill>
+                  <a:srgbClr val="34393C"/>
+                </a:solidFill>
+                <a:latin typeface="+mj-ea"/>
+                <a:ea typeface="+mj-ea"/>
+              </a:rPr>
+              <a:t> </a:t>
             </a:r>
             <a:endParaRPr lang="zh-CN" altLang="en-US" dirty="0">
               <a:solidFill>
@@ -19996,7 +21755,7 @@
 </p:sld>
 </file>
 
-<file path=ppt/slides/slide5.xml><?xml version="1.0" encoding="utf-8"?>
+<file path=ppt/slides/slide6.xml><?xml version="1.0" encoding="utf-8"?>
 <p:sld xmlns:a="http://schemas.openxmlformats.org/drawingml/2006/main" xmlns:r="http://schemas.openxmlformats.org/officeDocument/2006/relationships" xmlns:p="http://schemas.openxmlformats.org/presentationml/2006/main">
   <p:cSld>
     <p:spTree>
@@ -21073,7 +22832,7 @@
                 <a:latin typeface="Consolas" panose="020B0609020204030204" pitchFamily="49" charset="0"/>
                 <a:cs typeface="Consolas" panose="020B0609020204030204" pitchFamily="49" charset="0"/>
               </a:rPr>
-              <a:t>x</a:t>
+              <a:t>t</a:t>
             </a:r>
           </a:p>
           <a:p>
@@ -21184,6 +22943,26 @@
                 <a:cs typeface="Consolas" panose="020B0609020204030204" pitchFamily="49" charset="0"/>
               </a:rPr>
               <a:t>return</a:t>
+            </a:r>
+            <a:r>
+              <a:rPr kumimoji="1" lang="zh-CN" altLang="en-US" sz="1400" dirty="0">
+                <a:solidFill>
+                  <a:srgbClr val="384056"/>
+                </a:solidFill>
+                <a:latin typeface="Consolas" panose="020B0609020204030204" pitchFamily="49" charset="0"/>
+                <a:cs typeface="Consolas" panose="020B0609020204030204" pitchFamily="49" charset="0"/>
+              </a:rPr>
+              <a:t> </a:t>
+            </a:r>
+            <a:r>
+              <a:rPr kumimoji="1" lang="en-US" altLang="zh-CN" sz="1400" dirty="0">
+                <a:solidFill>
+                  <a:srgbClr val="384056"/>
+                </a:solidFill>
+                <a:latin typeface="Consolas" panose="020B0609020204030204" pitchFamily="49" charset="0"/>
+                <a:cs typeface="Consolas" panose="020B0609020204030204" pitchFamily="49" charset="0"/>
+              </a:rPr>
+              <a:t>v,</a:t>
             </a:r>
             <a:r>
               <a:rPr kumimoji="1" lang="zh-CN" altLang="en-US" sz="1400" dirty="0">
@@ -21221,7 +23000,7 @@
 </p:sld>
 </file>
 
-<file path=ppt/slides/slide6.xml><?xml version="1.0" encoding="utf-8"?>
+<file path=ppt/slides/slide7.xml><?xml version="1.0" encoding="utf-8"?>
 <p:sld xmlns:a="http://schemas.openxmlformats.org/drawingml/2006/main" xmlns:r="http://schemas.openxmlformats.org/officeDocument/2006/relationships" xmlns:p="http://schemas.openxmlformats.org/presentationml/2006/main">
   <p:cSld>
     <p:spTree>
@@ -21626,7 +23405,7 @@
 </p:sld>
 </file>
 
-<file path=ppt/slides/slide7.xml><?xml version="1.0" encoding="utf-8"?>
+<file path=ppt/slides/slide8.xml><?xml version="1.0" encoding="utf-8"?>
 <p:sld xmlns:a="http://schemas.openxmlformats.org/drawingml/2006/main" xmlns:r="http://schemas.openxmlformats.org/officeDocument/2006/relationships" xmlns:p="http://schemas.openxmlformats.org/presentationml/2006/main">
   <p:cSld>
     <p:spTree>
@@ -22572,7 +24351,7 @@
 </p:sld>
 </file>
 
-<file path=ppt/slides/slide8.xml><?xml version="1.0" encoding="utf-8"?>
+<file path=ppt/slides/slide9.xml><?xml version="1.0" encoding="utf-8"?>
 <p:sld xmlns:a="http://schemas.openxmlformats.org/drawingml/2006/main" xmlns:r="http://schemas.openxmlformats.org/officeDocument/2006/relationships" xmlns:p="http://schemas.openxmlformats.org/presentationml/2006/main">
   <p:cSld>
     <p:spTree>
@@ -22762,250 +24541,6 @@
     <p:extLst>
       <p:ext uri="{BB962C8B-B14F-4D97-AF65-F5344CB8AC3E}">
         <p14:creationId xmlns:p14="http://schemas.microsoft.com/office/powerpoint/2010/main" val="1337189114"/>
-      </p:ext>
-    </p:extLst>
-  </p:cSld>
-  <p:clrMapOvr>
-    <a:masterClrMapping/>
-  </p:clrMapOvr>
-</p:sld>
-</file>
-
-<file path=ppt/slides/slide9.xml><?xml version="1.0" encoding="utf-8"?>
-<p:sld xmlns:a="http://schemas.openxmlformats.org/drawingml/2006/main" xmlns:r="http://schemas.openxmlformats.org/officeDocument/2006/relationships" xmlns:p="http://schemas.openxmlformats.org/presentationml/2006/main">
-  <p:cSld>
-    <p:spTree>
-      <p:nvGrpSpPr>
-        <p:cNvPr id="1" name=""/>
-        <p:cNvGrpSpPr/>
-        <p:nvPr/>
-      </p:nvGrpSpPr>
-      <p:grpSpPr>
-        <a:xfrm>
-          <a:off x="0" y="0"/>
-          <a:ext cx="0" cy="0"/>
-          <a:chOff x="0" y="0"/>
-          <a:chExt cx="0" cy="0"/>
-        </a:xfrm>
-      </p:grpSpPr>
-      <p:sp>
-        <p:nvSpPr>
-          <p:cNvPr id="2" name="标题 1"/>
-          <p:cNvSpPr>
-            <a:spLocks noGrp="1"/>
-          </p:cNvSpPr>
-          <p:nvPr>
-            <p:ph type="title"/>
-          </p:nvPr>
-        </p:nvSpPr>
-        <p:spPr/>
-        <p:txBody>
-          <a:bodyPr/>
-          <a:lstStyle/>
-          <a:p>
-            <a:r>
-              <a:rPr lang="en-US" altLang="zh-CN" dirty="0">
-                <a:latin typeface="+mj-ea"/>
-                <a:cs typeface="Arial" panose="020B0604020202020204" pitchFamily="34" charset="0"/>
-                <a:sym typeface="Huawei Sans" panose="020C0503030203020204" pitchFamily="34" charset="0"/>
-              </a:rPr>
-              <a:t>AD</a:t>
-            </a:r>
-            <a:r>
-              <a:rPr lang="zh-CN" altLang="en-US" dirty="0">
-                <a:latin typeface="+mj-ea"/>
-                <a:cs typeface="Arial" panose="020B0604020202020204" pitchFamily="34" charset="0"/>
-                <a:sym typeface="Huawei Sans" panose="020C0503030203020204" pitchFamily="34" charset="0"/>
-              </a:rPr>
-              <a:t> </a:t>
-            </a:r>
-            <a:r>
-              <a:rPr lang="en-US" altLang="zh-CN" dirty="0">
-                <a:latin typeface="+mj-ea"/>
-                <a:cs typeface="Arial" panose="020B0604020202020204" pitchFamily="34" charset="0"/>
-                <a:sym typeface="Huawei Sans" panose="020C0503030203020204" pitchFamily="34" charset="0"/>
-              </a:rPr>
-              <a:t>Future</a:t>
-            </a:r>
-            <a:endParaRPr lang="zh-CN" altLang="en-US" dirty="0">
-              <a:latin typeface="+mj-ea"/>
-            </a:endParaRPr>
-          </a:p>
-        </p:txBody>
-      </p:sp>
-      <p:sp>
-        <p:nvSpPr>
-          <p:cNvPr id="7" name="矩形 6">
-            <a:extLst>
-              <a:ext uri="{FF2B5EF4-FFF2-40B4-BE49-F238E27FC236}">
-                <a16:creationId xmlns:a16="http://schemas.microsoft.com/office/drawing/2014/main" id="{096971EC-E988-8742-BCD0-6DAF6CD93769}"/>
-              </a:ext>
-            </a:extLst>
-          </p:cNvPr>
-          <p:cNvSpPr/>
-          <p:nvPr/>
-        </p:nvSpPr>
-        <p:spPr>
-          <a:xfrm>
-            <a:off x="669299" y="1372706"/>
-            <a:ext cx="1422184" cy="461665"/>
-          </a:xfrm>
-          <a:prstGeom prst="rect">
-            <a:avLst/>
-          </a:prstGeom>
-        </p:spPr>
-        <p:txBody>
-          <a:bodyPr wrap="none">
-            <a:spAutoFit/>
-          </a:bodyPr>
-          <a:lstStyle/>
-          <a:p>
-            <a:r>
-              <a:rPr lang="zh-CN" altLang="en-US" sz="2400" b="1" dirty="0">
-                <a:solidFill>
-                  <a:srgbClr val="34393C"/>
-                </a:solidFill>
-                <a:latin typeface="+mj-ea"/>
-                <a:ea typeface="+mj-ea"/>
-                <a:cs typeface="Apple Symbols" panose="02000000000000000000" pitchFamily="2" charset="-79"/>
-              </a:rPr>
-              <a:t>可</a:t>
-            </a:r>
-            <a:r>
-              <a:rPr lang="zh-CN" altLang="en-US" sz="2400" b="1">
-                <a:solidFill>
-                  <a:srgbClr val="34393C"/>
-                </a:solidFill>
-                <a:latin typeface="+mj-ea"/>
-                <a:ea typeface="+mj-ea"/>
-                <a:cs typeface="Apple Symbols" panose="02000000000000000000" pitchFamily="2" charset="-79"/>
-              </a:rPr>
-              <a:t>微编程</a:t>
-            </a:r>
-            <a:endParaRPr lang="en-US" altLang="zh-CN" sz="2400" b="1" dirty="0">
-              <a:solidFill>
-                <a:srgbClr val="34393C"/>
-              </a:solidFill>
-              <a:latin typeface="+mj-ea"/>
-              <a:ea typeface="+mj-ea"/>
-              <a:cs typeface="Apple Symbols" panose="02000000000000000000" pitchFamily="2" charset="-79"/>
-            </a:endParaRPr>
-          </a:p>
-        </p:txBody>
-      </p:sp>
-      <p:sp>
-        <p:nvSpPr>
-          <p:cNvPr id="3" name="矩形 2">
-            <a:extLst>
-              <a:ext uri="{FF2B5EF4-FFF2-40B4-BE49-F238E27FC236}">
-                <a16:creationId xmlns:a16="http://schemas.microsoft.com/office/drawing/2014/main" id="{4C3F490D-3BD7-B346-987E-F88E888C95E8}"/>
-              </a:ext>
-            </a:extLst>
-          </p:cNvPr>
-          <p:cNvSpPr/>
-          <p:nvPr/>
-        </p:nvSpPr>
-        <p:spPr>
-          <a:xfrm>
-            <a:off x="1201837" y="2132856"/>
-            <a:ext cx="6120680" cy="1253613"/>
-          </a:xfrm>
-          <a:prstGeom prst="rect">
-            <a:avLst/>
-          </a:prstGeom>
-        </p:spPr>
-        <p:txBody>
-          <a:bodyPr wrap="square">
-            <a:spAutoFit/>
-          </a:bodyPr>
-          <a:lstStyle/>
-          <a:p>
-            <a:pPr>
-              <a:lnSpc>
-                <a:spcPct val="130000"/>
-              </a:lnSpc>
-            </a:pPr>
-            <a:r>
-              <a:rPr lang="zh-CN" altLang="en-US" sz="2000" dirty="0">
-                <a:solidFill>
-                  <a:srgbClr val="34393C"/>
-                </a:solidFill>
-                <a:latin typeface="+mj-ea"/>
-                <a:ea typeface="+mj-ea"/>
-                <a:cs typeface="Apple Symbols" panose="02000000000000000000" pitchFamily="2" charset="-79"/>
-              </a:rPr>
-              <a:t>将自动微分技术与语言设计、编译器 </a:t>
-            </a:r>
-            <a:r>
-              <a:rPr lang="en-US" altLang="zh-CN" sz="2000" dirty="0">
-                <a:solidFill>
-                  <a:srgbClr val="34393C"/>
-                </a:solidFill>
-                <a:latin typeface="+mj-ea"/>
-                <a:ea typeface="+mj-ea"/>
-                <a:cs typeface="Apple Symbols" panose="02000000000000000000" pitchFamily="2" charset="-79"/>
-              </a:rPr>
-              <a:t>/ </a:t>
-            </a:r>
-            <a:r>
-              <a:rPr lang="zh-CN" altLang="en-US" sz="2000" dirty="0">
-                <a:solidFill>
-                  <a:srgbClr val="34393C"/>
-                </a:solidFill>
-                <a:latin typeface="+mj-ea"/>
-                <a:ea typeface="+mj-ea"/>
-                <a:cs typeface="Apple Symbols" panose="02000000000000000000" pitchFamily="2" charset="-79"/>
-              </a:rPr>
-              <a:t>解释器甚至 </a:t>
-            </a:r>
-            <a:r>
-              <a:rPr lang="en-US" altLang="zh-CN" sz="2000" dirty="0">
-                <a:solidFill>
-                  <a:srgbClr val="34393C"/>
-                </a:solidFill>
-                <a:latin typeface="+mj-ea"/>
-                <a:ea typeface="+mj-ea"/>
-                <a:cs typeface="Apple Symbols" panose="02000000000000000000" pitchFamily="2" charset="-79"/>
-              </a:rPr>
-              <a:t>IDE </a:t>
-            </a:r>
-            <a:r>
-              <a:rPr lang="zh-CN" altLang="en-US" sz="2000" dirty="0">
-                <a:solidFill>
-                  <a:srgbClr val="34393C"/>
-                </a:solidFill>
-                <a:latin typeface="+mj-ea"/>
-                <a:ea typeface="+mj-ea"/>
-                <a:cs typeface="Apple Symbols" panose="02000000000000000000" pitchFamily="2" charset="-79"/>
-              </a:rPr>
-              <a:t>等工具链等深度融合，将微分作为语言中</a:t>
-            </a:r>
-            <a:r>
-              <a:rPr lang="en-US" altLang="zh-CN" sz="2000" dirty="0">
-                <a:solidFill>
-                  <a:srgbClr val="34393C"/>
-                </a:solidFill>
-                <a:latin typeface="+mj-ea"/>
-                <a:ea typeface="+mj-ea"/>
-                <a:cs typeface="Apple Symbols" panose="02000000000000000000" pitchFamily="2" charset="-79"/>
-              </a:rPr>
-              <a:t>first-class feature</a:t>
-            </a:r>
-            <a:endParaRPr lang="zh-CN" altLang="en-US" sz="2000" dirty="0">
-              <a:solidFill>
-                <a:srgbClr val="34393C"/>
-              </a:solidFill>
-              <a:latin typeface="+mj-ea"/>
-              <a:ea typeface="+mj-ea"/>
-              <a:cs typeface="Apple Symbols" panose="02000000000000000000" pitchFamily="2" charset="-79"/>
-            </a:endParaRPr>
-          </a:p>
-        </p:txBody>
-      </p:sp>
-    </p:spTree>
-    <p:extLst>
-      <p:ext uri="{BB962C8B-B14F-4D97-AF65-F5344CB8AC3E}">
-        <p14:creationId xmlns:p14="http://schemas.microsoft.com/office/powerpoint/2010/main" val="2512688208"/>
       </p:ext>
     </p:extLst>
   </p:cSld>

--- a/Frontend/AutoDiff/07.challenge.pptx
+++ b/Frontend/AutoDiff/07.challenge.pptx
@@ -389,7 +389,7 @@
               <a:pPr>
                 <a:defRPr/>
               </a:pPr>
-              <a:t>2022/10/4</a:t>
+              <a:t>2023/1/6</a:t>
             </a:fld>
             <a:endParaRPr lang="en-US" altLang="zh-CN"/>
           </a:p>
@@ -642,7 +642,7 @@
             <a:fld id="{C45443A1-D8F2-48CD-A659-3CEDBA8DF541}" type="datetimeFigureOut">
               <a:rPr lang="zh-CN" altLang="en-US" smtClean="0"/>
               <a:pPr/>
-              <a:t>2022/10/4</a:t>
+              <a:t>2023/1/6</a:t>
             </a:fld>
             <a:endParaRPr lang="zh-CN" altLang="en-US"/>
           </a:p>
@@ -3389,7 +3389,13 @@
           <p:nvPr userDrawn="1"/>
         </p:nvPicPr>
         <p:blipFill>
-          <a:blip r:embed="rId3" cstate="print"/>
+          <a:blip r:embed="rId3" cstate="screen">
+            <a:extLst>
+              <a:ext uri="{28A0092B-C50C-407E-A947-70E740481C1C}">
+                <a14:useLocalDpi xmlns:a14="http://schemas.microsoft.com/office/drawing/2010/main"/>
+              </a:ext>
+            </a:extLst>
+          </a:blip>
           <a:srcRect/>
           <a:stretch>
             <a:fillRect/>
@@ -3672,7 +3678,7 @@
           <a:blip r:embed="rId4">
             <a:extLst>
               <a:ext uri="{28A0092B-C50C-407E-A947-70E740481C1C}">
-                <a14:useLocalDpi xmlns:a14="http://schemas.microsoft.com/office/drawing/2010/main" val="0"/>
+                <a14:useLocalDpi xmlns:a14="http://schemas.microsoft.com/office/drawing/2010/main"/>
               </a:ext>
             </a:extLst>
           </a:blip>
@@ -4153,7 +4159,7 @@
           <a:blip r:embed="rId3">
             <a:extLst>
               <a:ext uri="{28A0092B-C50C-407E-A947-70E740481C1C}">
-                <a14:useLocalDpi xmlns:a14="http://schemas.microsoft.com/office/drawing/2010/main" val="0"/>
+                <a14:useLocalDpi xmlns:a14="http://schemas.microsoft.com/office/drawing/2010/main"/>
               </a:ext>
             </a:extLst>
           </a:blip>
@@ -8840,7 +8846,7 @@
           <a:blip r:embed="rId5" cstate="print">
             <a:extLst>
               <a:ext uri="{28A0092B-C50C-407E-A947-70E740481C1C}">
-                <a14:useLocalDpi xmlns:a14="http://schemas.microsoft.com/office/drawing/2010/main" val="0"/>
+                <a14:useLocalDpi xmlns:a14="http://schemas.microsoft.com/office/drawing/2010/main"/>
               </a:ext>
             </a:extLst>
           </a:blip>
@@ -8901,10 +8907,10 @@
           <p:nvPr userDrawn="1"/>
         </p:nvPicPr>
         <p:blipFill>
-          <a:blip r:embed="rId6" cstate="print">
+          <a:blip r:embed="rId6" cstate="screen">
             <a:extLst>
               <a:ext uri="{28A0092B-C50C-407E-A947-70E740481C1C}">
-                <a14:useLocalDpi xmlns:a14="http://schemas.microsoft.com/office/drawing/2010/main" val="0"/>
+                <a14:useLocalDpi xmlns:a14="http://schemas.microsoft.com/office/drawing/2010/main"/>
               </a:ext>
             </a:extLst>
           </a:blip>
@@ -14061,7 +14067,7 @@
           <a:blip r:embed="rId5" cstate="print">
             <a:extLst>
               <a:ext uri="{28A0092B-C50C-407E-A947-70E740481C1C}">
-                <a14:useLocalDpi xmlns:a14="http://schemas.microsoft.com/office/drawing/2010/main" val="0"/>
+                <a14:useLocalDpi xmlns:a14="http://schemas.microsoft.com/office/drawing/2010/main"/>
               </a:ext>
             </a:extLst>
           </a:blip>
@@ -14122,10 +14128,10 @@
           <p:nvPr userDrawn="1"/>
         </p:nvPicPr>
         <p:blipFill>
-          <a:blip r:embed="rId6" cstate="print">
+          <a:blip r:embed="rId6" cstate="screen">
             <a:extLst>
               <a:ext uri="{28A0092B-C50C-407E-A947-70E740481C1C}">
-                <a14:useLocalDpi xmlns:a14="http://schemas.microsoft.com/office/drawing/2010/main" val="0"/>
+                <a14:useLocalDpi xmlns:a14="http://schemas.microsoft.com/office/drawing/2010/main"/>
               </a:ext>
             </a:extLst>
           </a:blip>
@@ -14765,10 +14771,10 @@
           <p:nvPr userDrawn="1"/>
         </p:nvPicPr>
         <p:blipFill>
-          <a:blip r:embed="rId4" cstate="print">
+          <a:blip r:embed="rId4" cstate="screen">
             <a:extLst>
               <a:ext uri="{28A0092B-C50C-407E-A947-70E740481C1C}">
-                <a14:useLocalDpi xmlns:a14="http://schemas.microsoft.com/office/drawing/2010/main" val="0"/>
+                <a14:useLocalDpi xmlns:a14="http://schemas.microsoft.com/office/drawing/2010/main"/>
               </a:ext>
             </a:extLst>
           </a:blip>
@@ -15387,10 +15393,10 @@
           <p:nvPr userDrawn="1"/>
         </p:nvPicPr>
         <p:blipFill>
-          <a:blip r:embed="rId3" cstate="print">
+          <a:blip r:embed="rId3" cstate="screen">
             <a:extLst>
               <a:ext uri="{28A0092B-C50C-407E-A947-70E740481C1C}">
-                <a14:useLocalDpi xmlns:a14="http://schemas.microsoft.com/office/drawing/2010/main" val="0"/>
+                <a14:useLocalDpi xmlns:a14="http://schemas.microsoft.com/office/drawing/2010/main"/>
               </a:ext>
             </a:extLst>
           </a:blip>
@@ -15883,7 +15889,7 @@
           <a:blip r:embed="rId3">
             <a:extLst>
               <a:ext uri="{28A0092B-C50C-407E-A947-70E740481C1C}">
-                <a14:useLocalDpi xmlns:a14="http://schemas.microsoft.com/office/drawing/2010/main" val="0"/>
+                <a14:useLocalDpi xmlns:a14="http://schemas.microsoft.com/office/drawing/2010/main"/>
               </a:ext>
             </a:extLst>
           </a:blip>
@@ -16138,7 +16144,7 @@
           <a:blip r:embed="rId5" cstate="print">
             <a:extLst>
               <a:ext uri="{28A0092B-C50C-407E-A947-70E740481C1C}">
-                <a14:useLocalDpi xmlns:a14="http://schemas.microsoft.com/office/drawing/2010/main" val="0"/>
+                <a14:useLocalDpi xmlns:a14="http://schemas.microsoft.com/office/drawing/2010/main"/>
               </a:ext>
             </a:extLst>
           </a:blip>
@@ -16202,7 +16208,7 @@
           <a:blip r:embed="rId6" cstate="print">
             <a:extLst>
               <a:ext uri="{28A0092B-C50C-407E-A947-70E740481C1C}">
-                <a14:useLocalDpi xmlns:a14="http://schemas.microsoft.com/office/drawing/2010/main" val="0"/>
+                <a14:useLocalDpi xmlns:a14="http://schemas.microsoft.com/office/drawing/2010/main"/>
               </a:ext>
             </a:extLst>
           </a:blip>
@@ -16263,10 +16269,10 @@
           <p:nvPr userDrawn="1"/>
         </p:nvPicPr>
         <p:blipFill>
-          <a:blip r:embed="rId7" cstate="print">
+          <a:blip r:embed="rId7" cstate="screen">
             <a:extLst>
               <a:ext uri="{28A0092B-C50C-407E-A947-70E740481C1C}">
-                <a14:useLocalDpi xmlns:a14="http://schemas.microsoft.com/office/drawing/2010/main" val="0"/>
+                <a14:useLocalDpi xmlns:a14="http://schemas.microsoft.com/office/drawing/2010/main"/>
               </a:ext>
             </a:extLst>
           </a:blip>
@@ -16816,10 +16822,10 @@
           <p:nvPr/>
         </p:nvPicPr>
         <p:blipFill>
-          <a:blip r:embed="rId2">
+          <a:blip r:embed="rId2" cstate="screen">
             <a:extLst>
               <a:ext uri="{28A0092B-C50C-407E-A947-70E740481C1C}">
-                <a14:useLocalDpi xmlns:a14="http://schemas.microsoft.com/office/drawing/2010/main" val="0"/>
+                <a14:useLocalDpi xmlns:a14="http://schemas.microsoft.com/office/drawing/2010/main"/>
               </a:ext>
             </a:extLst>
           </a:blip>
@@ -17778,8 +17784,8 @@
           </a:p>
         </p:txBody>
       </p:sp>
-      <mc:AlternateContent xmlns:mc="http://schemas.openxmlformats.org/markup-compatibility/2006">
-        <mc:Choice xmlns:a14="http://schemas.microsoft.com/office/drawing/2010/main" Requires="a14">
+      <mc:AlternateContent xmlns:mc="http://schemas.openxmlformats.org/markup-compatibility/2006" xmlns:a14="http://schemas.microsoft.com/office/drawing/2010/main">
+        <mc:Choice Requires="a14">
           <p:sp>
             <p:nvSpPr>
               <p:cNvPr id="14" name="文本框 13">
@@ -18351,7 +18357,7 @@
             </p:txBody>
           </p:sp>
         </mc:Choice>
-        <mc:Fallback>
+        <mc:Fallback xmlns="">
           <p:sp>
             <p:nvSpPr>
               <p:cNvPr id="14" name="文本框 13">
@@ -19151,8 +19157,8 @@
           </a:p>
         </p:txBody>
       </p:sp>
-      <mc:AlternateContent xmlns:mc="http://schemas.openxmlformats.org/markup-compatibility/2006">
-        <mc:Choice xmlns:a14="http://schemas.microsoft.com/office/drawing/2010/main" Requires="a14">
+      <mc:AlternateContent xmlns:mc="http://schemas.openxmlformats.org/markup-compatibility/2006" xmlns:a14="http://schemas.microsoft.com/office/drawing/2010/main">
+        <mc:Choice Requires="a14">
           <p:sp>
             <p:nvSpPr>
               <p:cNvPr id="14" name="文本框 13">
@@ -19724,7 +19730,7 @@
             </p:txBody>
           </p:sp>
         </mc:Choice>
-        <mc:Fallback>
+        <mc:Fallback xmlns="">
           <p:sp>
             <p:nvSpPr>
               <p:cNvPr id="14" name="文本框 13">
@@ -20279,8 +20285,8 @@
           </a:p>
         </p:txBody>
       </p:sp>
-      <mc:AlternateContent xmlns:mc="http://schemas.openxmlformats.org/markup-compatibility/2006">
-        <mc:Choice xmlns:a14="http://schemas.microsoft.com/office/drawing/2010/main" Requires="a14">
+      <mc:AlternateContent xmlns:mc="http://schemas.openxmlformats.org/markup-compatibility/2006" xmlns:a14="http://schemas.microsoft.com/office/drawing/2010/main">
+        <mc:Choice Requires="a14">
           <p:sp>
             <p:nvSpPr>
               <p:cNvPr id="19" name="文本框 18">
@@ -20839,7 +20845,7 @@
             </p:txBody>
           </p:sp>
         </mc:Choice>
-        <mc:Fallback>
+        <mc:Fallback xmlns="">
           <p:sp>
             <p:nvSpPr>
               <p:cNvPr id="19" name="文本框 18">
@@ -23328,7 +23334,13 @@
           <p:nvPr/>
         </p:nvPicPr>
         <p:blipFill>
-          <a:blip r:embed="rId3"/>
+          <a:blip r:embed="rId3" cstate="screen">
+            <a:extLst>
+              <a:ext uri="{28A0092B-C50C-407E-A947-70E740481C1C}">
+                <a14:useLocalDpi xmlns:a14="http://schemas.microsoft.com/office/drawing/2010/main"/>
+              </a:ext>
+            </a:extLst>
+          </a:blip>
           <a:stretch>
             <a:fillRect/>
           </a:stretch>
@@ -24522,7 +24534,13 @@
           <p:nvPr/>
         </p:nvPicPr>
         <p:blipFill>
-          <a:blip r:embed="rId2"/>
+          <a:blip r:embed="rId2" cstate="screen">
+            <a:extLst>
+              <a:ext uri="{28A0092B-C50C-407E-A947-70E740481C1C}">
+                <a14:useLocalDpi xmlns:a14="http://schemas.microsoft.com/office/drawing/2010/main"/>
+              </a:ext>
+            </a:extLst>
+          </a:blip>
           <a:stretch>
             <a:fillRect/>
           </a:stretch>
